--- a/AngularJS/lesson_16/Presentation/Routing.pptx
+++ b/AngularJS/lesson_16/Presentation/Routing.pptx
@@ -108,6 +108,22 @@
       </a:defRPr>
     </a:lvl9pPr>
   </p:defaultTextStyle>
+  <p:extLst>
+    <p:ext uri="{EFAFB233-063F-42B5-8137-9DF3F51BA10A}">
+      <p15:sldGuideLst xmlns:p15="http://schemas.microsoft.com/office/powerpoint/2012/main">
+        <p15:guide id="1" orient="horz" pos="2160">
+          <p15:clr>
+            <a:srgbClr val="A4A3A4"/>
+          </p15:clr>
+        </p15:guide>
+        <p15:guide id="2" pos="2880">
+          <p15:clr>
+            <a:srgbClr val="A4A3A4"/>
+          </p15:clr>
+        </p15:guide>
+      </p15:sldGuideLst>
+    </p:ext>
+  </p:extLst>
 </p:presentation>
 </file>
 
@@ -166,10 +182,9 @@
           </a:lstStyle>
           <a:p>
             <a:r>
-              <a:rPr lang="en-US" dirty="0" smtClean="0"/>
+              <a:rPr lang="en-US" dirty="0"/>
               <a:t>title style</a:t>
             </a:r>
-            <a:endParaRPr lang="en-US" dirty="0"/>
           </a:p>
         </p:txBody>
       </p:sp>
@@ -289,7 +304,7 @@
           </a:lstStyle>
           <a:p>
             <a:r>
-              <a:rPr lang="ru-RU" smtClean="0"/>
+              <a:rPr lang="ru-RU"/>
               <a:t>Образец подзаголовка</a:t>
             </a:r>
             <a:endParaRPr lang="en-US" dirty="0"/>
@@ -618,20 +633,13 @@
     </p:spTree>
     <p:extLst>
       <p:ext uri="{BB962C8B-B14F-4D97-AF65-F5344CB8AC3E}">
-        <p14:creationId xmlns="" xmlns:p14="http://schemas.microsoft.com/office/powerpoint/2010/main" val="3537187278"/>
+        <p14:creationId xmlns:p14="http://schemas.microsoft.com/office/powerpoint/2010/main" val="3537187278"/>
       </p:ext>
     </p:extLst>
   </p:cSld>
   <p:clrMapOvr>
     <a:overrideClrMapping bg1="lt1" tx1="dk1" bg2="lt2" tx2="dk2" accent1="accent1" accent2="accent2" accent3="accent3" accent4="accent4" accent5="accent5" accent6="accent6" hlink="hlink" folHlink="folHlink"/>
   </p:clrMapOvr>
-  <p:timing>
-    <p:tnLst>
-      <p:par>
-        <p:cTn id="1" dur="indefinite" restart="never" nodeType="tmRoot"/>
-      </p:par>
-    </p:tnLst>
-  </p:timing>
 </p:sldLayout>
 </file>
 
@@ -664,7 +672,7 @@
           <a:blip r:embed="rId2" cstate="print">
             <a:extLst>
               <a:ext uri="{28A0092B-C50C-407E-A947-70E740481C1C}">
-                <a14:useLocalDpi xmlns="" xmlns:a14="http://schemas.microsoft.com/office/drawing/2010/main" val="0"/>
+                <a14:useLocalDpi xmlns:a14="http://schemas.microsoft.com/office/drawing/2010/main" val="0"/>
               </a:ext>
             </a:extLst>
           </a:blip>
@@ -688,14 +696,14 @@
           <a:effectLst/>
           <a:extLst>
             <a:ext uri="{909E8E84-426E-40DD-AFC4-6F175D3DCCD1}">
-              <a14:hiddenFill xmlns="" xmlns:a14="http://schemas.microsoft.com/office/drawing/2010/main">
+              <a14:hiddenFill xmlns:a14="http://schemas.microsoft.com/office/drawing/2010/main">
                 <a:solidFill>
                   <a:schemeClr val="accent1"/>
                 </a:solidFill>
               </a14:hiddenFill>
             </a:ext>
             <a:ext uri="{91240B29-F687-4F45-9708-019B960494DF}">
-              <a14:hiddenLine xmlns="" xmlns:a14="http://schemas.microsoft.com/office/drawing/2010/main" w="9525">
+              <a14:hiddenLine xmlns:a14="http://schemas.microsoft.com/office/drawing/2010/main" w="9525">
                 <a:solidFill>
                   <a:schemeClr val="tx1"/>
                 </a:solidFill>
@@ -705,7 +713,7 @@
               </a14:hiddenLine>
             </a:ext>
             <a:ext uri="{AF507438-7753-43E0-B8FC-AC1667EBCBE1}">
-              <a14:hiddenEffects xmlns="" xmlns:a14="http://schemas.microsoft.com/office/drawing/2010/main">
+              <a14:hiddenEffects xmlns:a14="http://schemas.microsoft.com/office/drawing/2010/main">
                 <a:effectLst>
                   <a:outerShdw dist="35921" dir="2700000" algn="ctr" rotWithShape="0">
                     <a:schemeClr val="bg2"/>
@@ -800,7 +808,7 @@
           </a:lstStyle>
           <a:p>
             <a:r>
-              <a:rPr lang="ru-RU" smtClean="0"/>
+              <a:rPr lang="ru-RU"/>
               <a:t>Образец заголовка</a:t>
             </a:r>
             <a:endParaRPr lang="en-US" dirty="0"/>
@@ -837,7 +845,7 @@
           <a:p>
             <a:pPr lvl="4"/>
             <a:r>
-              <a:rPr lang="en-US" dirty="0" smtClean="0"/>
+              <a:rPr lang="en-US" dirty="0"/>
               <a:t>Subtitle</a:t>
             </a:r>
           </a:p>
@@ -846,20 +854,13 @@
     </p:spTree>
     <p:extLst>
       <p:ext uri="{BB962C8B-B14F-4D97-AF65-F5344CB8AC3E}">
-        <p14:creationId xmlns="" xmlns:p14="http://schemas.microsoft.com/office/powerpoint/2010/main" val="2097366919"/>
+        <p14:creationId xmlns:p14="http://schemas.microsoft.com/office/powerpoint/2010/main" val="2097366919"/>
       </p:ext>
     </p:extLst>
   </p:cSld>
   <p:clrMapOvr>
     <a:masterClrMapping/>
   </p:clrMapOvr>
-  <p:timing>
-    <p:tnLst>
-      <p:par>
-        <p:cTn id="1" dur="indefinite" restart="never" nodeType="tmRoot"/>
-      </p:par>
-    </p:tnLst>
-  </p:timing>
 </p:sldLayout>
 </file>
 
@@ -1368,7 +1369,7 @@
     </p:spTree>
     <p:extLst>
       <p:ext uri="{BB962C8B-B14F-4D97-AF65-F5344CB8AC3E}">
-        <p14:creationId xmlns:p14="http://schemas.microsoft.com/office/powerpoint/2010/main" xmlns="" val="3537187278"/>
+        <p14:creationId xmlns:p14="http://schemas.microsoft.com/office/powerpoint/2010/main" val="3537187278"/>
       </p:ext>
     </p:extLst>
   </p:cSld>
@@ -1426,7 +1427,7 @@
           <a:lstStyle/>
           <a:p>
             <a:r>
-              <a:rPr lang="ru-RU" smtClean="0"/>
+              <a:rPr lang="ru-RU"/>
               <a:t>Образец заголовка</a:t>
             </a:r>
             <a:endParaRPr lang="en-US"/>
@@ -1436,7 +1437,7 @@
     </p:spTree>
     <p:extLst>
       <p:ext uri="{BB962C8B-B14F-4D97-AF65-F5344CB8AC3E}">
-        <p14:creationId xmlns="" xmlns:p14="http://schemas.microsoft.com/office/powerpoint/2010/main" val="779007194"/>
+        <p14:creationId xmlns:p14="http://schemas.microsoft.com/office/powerpoint/2010/main" val="779007194"/>
       </p:ext>
     </p:extLst>
   </p:cSld>
@@ -1446,13 +1447,6 @@
     <p:sldLayoutId id="2147483664" r:id="rId2"/>
     <p:sldLayoutId id="2147483665" r:id="rId3"/>
   </p:sldLayoutIdLst>
-  <p:timing>
-    <p:tnLst>
-      <p:par>
-        <p:cTn id="1" dur="indefinite" restart="never" nodeType="tmRoot"/>
-      </p:par>
-    </p:tnLst>
-  </p:timing>
   <p:txStyles>
     <p:titleStyle>
       <a:lvl1pPr algn="ctr" defTabSz="914400" rtl="0" eaLnBrk="1" latinLnBrk="0" hangingPunct="1">
@@ -1792,11 +1786,11 @@
           <a:lstStyle/>
           <a:p>
             <a:r>
-              <a:rPr lang="en-US" sz="2700" dirty="0" smtClean="0">
+              <a:rPr lang="en-US" sz="2700" dirty="0">
                 <a:solidFill>
                   <a:schemeClr val="bg1"/>
                 </a:solidFill>
-                <a:latin typeface="Roboto Thin" panose="02000000000000000000" pitchFamily="2" charset="0"/>
+                <a:latin typeface="Calibri" panose="020F0502020204030204" pitchFamily="34" charset="0"/>
                 <a:ea typeface="Roboto Thin" panose="02000000000000000000" pitchFamily="2" charset="0"/>
                 <a:cs typeface="Roboto Thin" panose="02000000000000000000" pitchFamily="2" charset="0"/>
               </a:rPr>
@@ -1806,248 +1800,13 @@
               <a:solidFill>
                 <a:srgbClr val="7564BC"/>
               </a:solidFill>
-              <a:latin typeface="Roboto Thin" panose="02000000000000000000" pitchFamily="2" charset="0"/>
+              <a:latin typeface="Calibri" panose="020F0502020204030204" pitchFamily="34" charset="0"/>
               <a:ea typeface="Roboto Thin" panose="02000000000000000000" pitchFamily="2" charset="0"/>
               <a:cs typeface="Roboto Thin" panose="02000000000000000000" pitchFamily="2" charset="0"/>
             </a:endParaRPr>
           </a:p>
         </p:txBody>
       </p:sp>
-      <p:sp>
-        <p:nvSpPr>
-          <p:cNvPr id="6" name="Subtitle 2"/>
-          <p:cNvSpPr txBox="1">
-            <a:spLocks/>
-          </p:cNvSpPr>
-          <p:nvPr/>
-        </p:nvSpPr>
-        <p:spPr>
-          <a:xfrm>
-            <a:off x="806449" y="1281006"/>
-            <a:ext cx="6322695" cy="507831"/>
-          </a:xfrm>
-          <a:prstGeom prst="rect">
-            <a:avLst/>
-          </a:prstGeom>
-        </p:spPr>
-        <p:txBody>
-          <a:bodyPr wrap="square">
-            <a:spAutoFit/>
-          </a:bodyPr>
-          <a:lstStyle>
-            <a:lvl1pPr marL="0" indent="0" algn="l" defTabSz="914400" rtl="0" eaLnBrk="1" latinLnBrk="0" hangingPunct="1">
-              <a:spcBef>
-                <a:spcPct val="20000"/>
-              </a:spcBef>
-              <a:buFont typeface="Arial" pitchFamily="34" charset="0"/>
-              <a:buNone/>
-              <a:defRPr sz="3200" kern="1200">
-                <a:solidFill>
-                  <a:schemeClr val="tx1">
-                    <a:tint val="75000"/>
-                  </a:schemeClr>
-                </a:solidFill>
-                <a:latin typeface="+mj-lt"/>
-                <a:ea typeface="+mn-ea"/>
-                <a:cs typeface="+mn-cs"/>
-              </a:defRPr>
-            </a:lvl1pPr>
-            <a:lvl2pPr marL="457200" indent="0" algn="ctr" defTabSz="914400" rtl="0" eaLnBrk="1" latinLnBrk="0" hangingPunct="1">
-              <a:spcBef>
-                <a:spcPct val="20000"/>
-              </a:spcBef>
-              <a:buFont typeface="Arial" pitchFamily="34" charset="0"/>
-              <a:buNone/>
-              <a:defRPr sz="2800" kern="1200">
-                <a:solidFill>
-                  <a:schemeClr val="tx1">
-                    <a:tint val="75000"/>
-                  </a:schemeClr>
-                </a:solidFill>
-                <a:latin typeface="+mn-lt"/>
-                <a:ea typeface="+mn-ea"/>
-                <a:cs typeface="+mn-cs"/>
-              </a:defRPr>
-            </a:lvl2pPr>
-            <a:lvl3pPr marL="914400" indent="0" algn="ctr" defTabSz="914400" rtl="0" eaLnBrk="1" latinLnBrk="0" hangingPunct="1">
-              <a:spcBef>
-                <a:spcPct val="20000"/>
-              </a:spcBef>
-              <a:buFont typeface="Arial" pitchFamily="34" charset="0"/>
-              <a:buNone/>
-              <a:defRPr sz="2400" kern="1200">
-                <a:solidFill>
-                  <a:schemeClr val="tx1">
-                    <a:tint val="75000"/>
-                  </a:schemeClr>
-                </a:solidFill>
-                <a:latin typeface="+mn-lt"/>
-                <a:ea typeface="+mn-ea"/>
-                <a:cs typeface="+mn-cs"/>
-              </a:defRPr>
-            </a:lvl3pPr>
-            <a:lvl4pPr marL="1371600" indent="0" algn="ctr" defTabSz="914400" rtl="0" eaLnBrk="1" latinLnBrk="0" hangingPunct="1">
-              <a:spcBef>
-                <a:spcPct val="20000"/>
-              </a:spcBef>
-              <a:buFont typeface="Arial" pitchFamily="34" charset="0"/>
-              <a:buNone/>
-              <a:defRPr sz="2000" kern="1200">
-                <a:solidFill>
-                  <a:schemeClr val="tx1">
-                    <a:tint val="75000"/>
-                  </a:schemeClr>
-                </a:solidFill>
-                <a:latin typeface="+mn-lt"/>
-                <a:ea typeface="+mn-ea"/>
-                <a:cs typeface="+mn-cs"/>
-              </a:defRPr>
-            </a:lvl4pPr>
-            <a:lvl5pPr marL="1828800" indent="0" algn="ctr" defTabSz="914400" rtl="0" eaLnBrk="1" latinLnBrk="0" hangingPunct="1">
-              <a:spcBef>
-                <a:spcPct val="20000"/>
-              </a:spcBef>
-              <a:buFont typeface="Arial" pitchFamily="34" charset="0"/>
-              <a:buNone/>
-              <a:defRPr sz="2000" kern="1200">
-                <a:solidFill>
-                  <a:schemeClr val="tx1">
-                    <a:tint val="75000"/>
-                  </a:schemeClr>
-                </a:solidFill>
-                <a:latin typeface="+mn-lt"/>
-                <a:ea typeface="+mn-ea"/>
-                <a:cs typeface="+mn-cs"/>
-              </a:defRPr>
-            </a:lvl5pPr>
-            <a:lvl6pPr marL="2286000" indent="0" algn="ctr" defTabSz="914400" rtl="0" eaLnBrk="1" latinLnBrk="0" hangingPunct="1">
-              <a:spcBef>
-                <a:spcPct val="20000"/>
-              </a:spcBef>
-              <a:buFont typeface="Arial" pitchFamily="34" charset="0"/>
-              <a:buNone/>
-              <a:defRPr sz="2000" kern="1200">
-                <a:solidFill>
-                  <a:schemeClr val="tx1">
-                    <a:tint val="75000"/>
-                  </a:schemeClr>
-                </a:solidFill>
-                <a:latin typeface="+mn-lt"/>
-                <a:ea typeface="+mn-ea"/>
-                <a:cs typeface="+mn-cs"/>
-              </a:defRPr>
-            </a:lvl6pPr>
-            <a:lvl7pPr marL="2743200" indent="0" algn="ctr" defTabSz="914400" rtl="0" eaLnBrk="1" latinLnBrk="0" hangingPunct="1">
-              <a:spcBef>
-                <a:spcPct val="20000"/>
-              </a:spcBef>
-              <a:buFont typeface="Arial" pitchFamily="34" charset="0"/>
-              <a:buNone/>
-              <a:defRPr sz="2000" kern="1200">
-                <a:solidFill>
-                  <a:schemeClr val="tx1">
-                    <a:tint val="75000"/>
-                  </a:schemeClr>
-                </a:solidFill>
-                <a:latin typeface="+mn-lt"/>
-                <a:ea typeface="+mn-ea"/>
-                <a:cs typeface="+mn-cs"/>
-              </a:defRPr>
-            </a:lvl7pPr>
-            <a:lvl8pPr marL="3200400" indent="0" algn="ctr" defTabSz="914400" rtl="0" eaLnBrk="1" latinLnBrk="0" hangingPunct="1">
-              <a:spcBef>
-                <a:spcPct val="20000"/>
-              </a:spcBef>
-              <a:buFont typeface="Arial" pitchFamily="34" charset="0"/>
-              <a:buNone/>
-              <a:defRPr sz="2000" kern="1200">
-                <a:solidFill>
-                  <a:schemeClr val="tx1">
-                    <a:tint val="75000"/>
-                  </a:schemeClr>
-                </a:solidFill>
-                <a:latin typeface="+mn-lt"/>
-                <a:ea typeface="+mn-ea"/>
-                <a:cs typeface="+mn-cs"/>
-              </a:defRPr>
-            </a:lvl8pPr>
-            <a:lvl9pPr marL="3657600" indent="0" algn="ctr" defTabSz="914400" rtl="0" eaLnBrk="1" latinLnBrk="0" hangingPunct="1">
-              <a:spcBef>
-                <a:spcPct val="20000"/>
-              </a:spcBef>
-              <a:buFont typeface="Arial" pitchFamily="34" charset="0"/>
-              <a:buNone/>
-              <a:defRPr sz="2000" kern="1200">
-                <a:solidFill>
-                  <a:schemeClr val="tx1">
-                    <a:tint val="75000"/>
-                  </a:schemeClr>
-                </a:solidFill>
-                <a:latin typeface="+mn-lt"/>
-                <a:ea typeface="+mn-ea"/>
-                <a:cs typeface="+mn-cs"/>
-              </a:defRPr>
-            </a:lvl9pPr>
-          </a:lstStyle>
-          <a:p>
-            <a:r>
-              <a:rPr lang="en-US" sz="2700" dirty="0">
-                <a:solidFill>
-                  <a:schemeClr val="tx1">
-                    <a:lumMod val="90000"/>
-                    <a:lumOff val="10000"/>
-                  </a:schemeClr>
-                </a:solidFill>
-                <a:latin typeface="Roboto Light" panose="02000000000000000000" pitchFamily="2" charset="0"/>
-                <a:ea typeface="Roboto Light" panose="02000000000000000000" pitchFamily="2" charset="0"/>
-                <a:cs typeface="Roboto Light" panose="02000000000000000000" pitchFamily="2" charset="0"/>
-              </a:rPr>
-              <a:t>The JavaScript Programming Language</a:t>
-            </a:r>
-          </a:p>
-        </p:txBody>
-      </p:sp>
-      <p:pic>
-        <p:nvPicPr>
-          <p:cNvPr id="1028" name="Picture 4" descr="C:\Users\Darick\Desktop\Mmww2.png"/>
-          <p:cNvPicPr>
-            <a:picLocks noChangeAspect="1" noChangeArrowheads="1"/>
-          </p:cNvPicPr>
-          <p:nvPr/>
-        </p:nvPicPr>
-        <p:blipFill>
-          <a:blip r:embed="rId2" cstate="print">
-            <a:extLst>
-              <a:ext uri="{28A0092B-C50C-407E-A947-70E740481C1C}">
-                <a14:useLocalDpi xmlns:a14="http://schemas.microsoft.com/office/drawing/2010/main" xmlns="" val="0"/>
-              </a:ext>
-            </a:extLst>
-          </a:blip>
-          <a:srcRect/>
-          <a:stretch>
-            <a:fillRect/>
-          </a:stretch>
-        </p:blipFill>
-        <p:spPr bwMode="auto">
-          <a:xfrm>
-            <a:off x="1" y="698501"/>
-            <a:ext cx="809625" cy="1079500"/>
-          </a:xfrm>
-          <a:prstGeom prst="rect">
-            <a:avLst/>
-          </a:prstGeom>
-          <a:noFill/>
-          <a:extLst>
-            <a:ext uri="{909E8E84-426E-40DD-AFC4-6F175D3DCCD1}">
-              <a14:hiddenFill xmlns:a14="http://schemas.microsoft.com/office/drawing/2010/main" xmlns="">
-                <a:solidFill>
-                  <a:srgbClr val="FFFFFF"/>
-                </a:solidFill>
-              </a14:hiddenFill>
-            </a:ext>
-          </a:extLst>
-        </p:spPr>
-      </p:pic>
       <p:sp>
         <p:nvSpPr>
           <p:cNvPr id="5" name="TextBox 4"/>
@@ -2071,68 +1830,514 @@
           <a:lstStyle/>
           <a:p>
             <a:r>
-              <a:rPr lang="ru-RU" sz="4400" dirty="0" smtClean="0">
+              <a:rPr lang="ru-RU" sz="4400" dirty="0">
                 <a:solidFill>
                   <a:srgbClr val="7564BC"/>
                 </a:solidFill>
+                <a:latin typeface="Calibri" panose="020F0502020204030204" pitchFamily="34" charset="0"/>
               </a:rPr>
               <a:t>Маршрутизация(</a:t>
             </a:r>
             <a:r>
-              <a:rPr lang="en-US" sz="4400" dirty="0" smtClean="0">
+              <a:rPr lang="en-US" sz="4400" dirty="0">
                 <a:solidFill>
                   <a:srgbClr val="7564BC"/>
                 </a:solidFill>
+                <a:latin typeface="Calibri" panose="020F0502020204030204" pitchFamily="34" charset="0"/>
               </a:rPr>
               <a:t>Routing</a:t>
             </a:r>
             <a:r>
-              <a:rPr lang="ru-RU" sz="4400" dirty="0" smtClean="0">
+              <a:rPr lang="ru-RU" sz="4400" dirty="0">
                 <a:solidFill>
                   <a:srgbClr val="7564BC"/>
                 </a:solidFill>
+                <a:latin typeface="Calibri" panose="020F0502020204030204" pitchFamily="34" charset="0"/>
               </a:rPr>
               <a:t>) </a:t>
             </a:r>
-            <a:r>
-              <a:rPr lang="en-US" sz="4400" dirty="0" smtClean="0">
+            <a:br>
+              <a:rPr lang="en-US" sz="4400" dirty="0">
                 <a:solidFill>
                   <a:srgbClr val="7564BC"/>
                 </a:solidFill>
-              </a:rPr>
-              <a:t/>
-            </a:r>
-            <a:br>
-              <a:rPr lang="en-US" sz="4400" dirty="0" smtClean="0">
+                <a:latin typeface="Calibri" panose="020F0502020204030204" pitchFamily="34" charset="0"/>
+              </a:rPr>
+            </a:br>
+            <a:r>
+              <a:rPr lang="ru-RU" sz="4400" dirty="0">
                 <a:solidFill>
                   <a:srgbClr val="7564BC"/>
                 </a:solidFill>
-              </a:rPr>
-            </a:br>
-            <a:r>
-              <a:rPr lang="ru-RU" sz="4400" dirty="0" smtClean="0">
+                <a:latin typeface="Calibri" panose="020F0502020204030204" pitchFamily="34" charset="0"/>
+              </a:rPr>
+              <a:t>в </a:t>
+            </a:r>
+            <a:r>
+              <a:rPr lang="en-US" sz="4400" dirty="0">
                 <a:solidFill>
                   <a:srgbClr val="7564BC"/>
                 </a:solidFill>
-              </a:rPr>
-              <a:t>в </a:t>
-            </a:r>
-            <a:r>
-              <a:rPr lang="en-US" sz="4400" dirty="0" smtClean="0">
-                <a:solidFill>
-                  <a:srgbClr val="7564BC"/>
-                </a:solidFill>
+                <a:latin typeface="Calibri" panose="020F0502020204030204" pitchFamily="34" charset="0"/>
               </a:rPr>
               <a:t>Angular JS</a:t>
             </a:r>
-            <a:endParaRPr lang="en-US" dirty="0"/>
+            <a:endParaRPr lang="en-US" dirty="0">
+              <a:latin typeface="Calibri" panose="020F0502020204030204" pitchFamily="34" charset="0"/>
+            </a:endParaRPr>
           </a:p>
         </p:txBody>
       </p:sp>
+      <p:grpSp>
+        <p:nvGrpSpPr>
+          <p:cNvPr id="8" name="Group 7"/>
+          <p:cNvGrpSpPr/>
+          <p:nvPr/>
+        </p:nvGrpSpPr>
+        <p:grpSpPr>
+          <a:xfrm>
+            <a:off x="1095828" y="1268760"/>
+            <a:ext cx="7890676" cy="981439"/>
+            <a:chOff x="976312" y="1284918"/>
+            <a:chExt cx="7890676" cy="981439"/>
+          </a:xfrm>
+        </p:grpSpPr>
+        <p:sp>
+          <p:nvSpPr>
+            <p:cNvPr id="9" name="Subtitle 2"/>
+            <p:cNvSpPr txBox="1">
+              <a:spLocks/>
+            </p:cNvSpPr>
+            <p:nvPr/>
+          </p:nvSpPr>
+          <p:spPr>
+            <a:xfrm>
+              <a:off x="1888060" y="1521428"/>
+              <a:ext cx="6322695" cy="507831"/>
+            </a:xfrm>
+            <a:prstGeom prst="rect">
+              <a:avLst/>
+            </a:prstGeom>
+          </p:spPr>
+          <p:txBody>
+            <a:bodyPr wrap="square">
+              <a:spAutoFit/>
+            </a:bodyPr>
+            <a:lstStyle>
+              <a:lvl1pPr marL="0" indent="0" algn="l" defTabSz="914400" rtl="0" eaLnBrk="1" latinLnBrk="0" hangingPunct="1">
+                <a:spcBef>
+                  <a:spcPct val="20000"/>
+                </a:spcBef>
+                <a:buFont typeface="Arial" pitchFamily="34" charset="0"/>
+                <a:buNone/>
+                <a:defRPr sz="3200" kern="1200">
+                  <a:solidFill>
+                    <a:schemeClr val="tx1">
+                      <a:tint val="75000"/>
+                    </a:schemeClr>
+                  </a:solidFill>
+                  <a:latin typeface="+mj-lt"/>
+                  <a:ea typeface="+mn-ea"/>
+                  <a:cs typeface="+mn-cs"/>
+                </a:defRPr>
+              </a:lvl1pPr>
+              <a:lvl2pPr marL="457200" indent="0" algn="ctr" defTabSz="914400" rtl="0" eaLnBrk="1" latinLnBrk="0" hangingPunct="1">
+                <a:spcBef>
+                  <a:spcPct val="20000"/>
+                </a:spcBef>
+                <a:buFont typeface="Arial" pitchFamily="34" charset="0"/>
+                <a:buNone/>
+                <a:defRPr sz="2800" kern="1200">
+                  <a:solidFill>
+                    <a:schemeClr val="tx1">
+                      <a:tint val="75000"/>
+                    </a:schemeClr>
+                  </a:solidFill>
+                  <a:latin typeface="+mn-lt"/>
+                  <a:ea typeface="+mn-ea"/>
+                  <a:cs typeface="+mn-cs"/>
+                </a:defRPr>
+              </a:lvl2pPr>
+              <a:lvl3pPr marL="914400" indent="0" algn="ctr" defTabSz="914400" rtl="0" eaLnBrk="1" latinLnBrk="0" hangingPunct="1">
+                <a:spcBef>
+                  <a:spcPct val="20000"/>
+                </a:spcBef>
+                <a:buFont typeface="Arial" pitchFamily="34" charset="0"/>
+                <a:buNone/>
+                <a:defRPr sz="2400" kern="1200">
+                  <a:solidFill>
+                    <a:schemeClr val="tx1">
+                      <a:tint val="75000"/>
+                    </a:schemeClr>
+                  </a:solidFill>
+                  <a:latin typeface="+mn-lt"/>
+                  <a:ea typeface="+mn-ea"/>
+                  <a:cs typeface="+mn-cs"/>
+                </a:defRPr>
+              </a:lvl3pPr>
+              <a:lvl4pPr marL="1371600" indent="0" algn="ctr" defTabSz="914400" rtl="0" eaLnBrk="1" latinLnBrk="0" hangingPunct="1">
+                <a:spcBef>
+                  <a:spcPct val="20000"/>
+                </a:spcBef>
+                <a:buFont typeface="Arial" pitchFamily="34" charset="0"/>
+                <a:buNone/>
+                <a:defRPr sz="2000" kern="1200">
+                  <a:solidFill>
+                    <a:schemeClr val="tx1">
+                      <a:tint val="75000"/>
+                    </a:schemeClr>
+                  </a:solidFill>
+                  <a:latin typeface="+mn-lt"/>
+                  <a:ea typeface="+mn-ea"/>
+                  <a:cs typeface="+mn-cs"/>
+                </a:defRPr>
+              </a:lvl4pPr>
+              <a:lvl5pPr marL="1828800" indent="0" algn="ctr" defTabSz="914400" rtl="0" eaLnBrk="1" latinLnBrk="0" hangingPunct="1">
+                <a:spcBef>
+                  <a:spcPct val="20000"/>
+                </a:spcBef>
+                <a:buFont typeface="Arial" pitchFamily="34" charset="0"/>
+                <a:buNone/>
+                <a:defRPr sz="2000" kern="1200">
+                  <a:solidFill>
+                    <a:schemeClr val="tx1">
+                      <a:tint val="75000"/>
+                    </a:schemeClr>
+                  </a:solidFill>
+                  <a:latin typeface="+mn-lt"/>
+                  <a:ea typeface="+mn-ea"/>
+                  <a:cs typeface="+mn-cs"/>
+                </a:defRPr>
+              </a:lvl5pPr>
+              <a:lvl6pPr marL="2286000" indent="0" algn="ctr" defTabSz="914400" rtl="0" eaLnBrk="1" latinLnBrk="0" hangingPunct="1">
+                <a:spcBef>
+                  <a:spcPct val="20000"/>
+                </a:spcBef>
+                <a:buFont typeface="Arial" pitchFamily="34" charset="0"/>
+                <a:buNone/>
+                <a:defRPr sz="2000" kern="1200">
+                  <a:solidFill>
+                    <a:schemeClr val="tx1">
+                      <a:tint val="75000"/>
+                    </a:schemeClr>
+                  </a:solidFill>
+                  <a:latin typeface="+mn-lt"/>
+                  <a:ea typeface="+mn-ea"/>
+                  <a:cs typeface="+mn-cs"/>
+                </a:defRPr>
+              </a:lvl6pPr>
+              <a:lvl7pPr marL="2743200" indent="0" algn="ctr" defTabSz="914400" rtl="0" eaLnBrk="1" latinLnBrk="0" hangingPunct="1">
+                <a:spcBef>
+                  <a:spcPct val="20000"/>
+                </a:spcBef>
+                <a:buFont typeface="Arial" pitchFamily="34" charset="0"/>
+                <a:buNone/>
+                <a:defRPr sz="2000" kern="1200">
+                  <a:solidFill>
+                    <a:schemeClr val="tx1">
+                      <a:tint val="75000"/>
+                    </a:schemeClr>
+                  </a:solidFill>
+                  <a:latin typeface="+mn-lt"/>
+                  <a:ea typeface="+mn-ea"/>
+                  <a:cs typeface="+mn-cs"/>
+                </a:defRPr>
+              </a:lvl7pPr>
+              <a:lvl8pPr marL="3200400" indent="0" algn="ctr" defTabSz="914400" rtl="0" eaLnBrk="1" latinLnBrk="0" hangingPunct="1">
+                <a:spcBef>
+                  <a:spcPct val="20000"/>
+                </a:spcBef>
+                <a:buFont typeface="Arial" pitchFamily="34" charset="0"/>
+                <a:buNone/>
+                <a:defRPr sz="2000" kern="1200">
+                  <a:solidFill>
+                    <a:schemeClr val="tx1">
+                      <a:tint val="75000"/>
+                    </a:schemeClr>
+                  </a:solidFill>
+                  <a:latin typeface="+mn-lt"/>
+                  <a:ea typeface="+mn-ea"/>
+                  <a:cs typeface="+mn-cs"/>
+                </a:defRPr>
+              </a:lvl8pPr>
+              <a:lvl9pPr marL="3657600" indent="0" algn="ctr" defTabSz="914400" rtl="0" eaLnBrk="1" latinLnBrk="0" hangingPunct="1">
+                <a:spcBef>
+                  <a:spcPct val="20000"/>
+                </a:spcBef>
+                <a:buFont typeface="Arial" pitchFamily="34" charset="0"/>
+                <a:buNone/>
+                <a:defRPr sz="2000" kern="1200">
+                  <a:solidFill>
+                    <a:schemeClr val="tx1">
+                      <a:tint val="75000"/>
+                    </a:schemeClr>
+                  </a:solidFill>
+                  <a:latin typeface="+mn-lt"/>
+                  <a:ea typeface="+mn-ea"/>
+                  <a:cs typeface="+mn-cs"/>
+                </a:defRPr>
+              </a:lvl9pPr>
+            </a:lstStyle>
+            <a:p>
+              <a:r>
+                <a:rPr lang="en-US" sz="2700" dirty="0">
+                  <a:solidFill>
+                    <a:schemeClr val="tx1"/>
+                  </a:solidFill>
+                  <a:latin typeface="Calibri" panose="020F0502020204030204" pitchFamily="34" charset="0"/>
+                  <a:ea typeface="Roboto Light" panose="02000000000000000000" pitchFamily="2" charset="0"/>
+                  <a:cs typeface="Roboto Light" panose="02000000000000000000" pitchFamily="2" charset="0"/>
+                </a:rPr>
+                <a:t>NGULAR</a:t>
+              </a:r>
+              <a:r>
+                <a:rPr lang="en-US" sz="2700" dirty="0">
+                  <a:solidFill>
+                    <a:srgbClr val="C00000"/>
+                  </a:solidFill>
+                  <a:latin typeface="Calibri" panose="020F0502020204030204" pitchFamily="34" charset="0"/>
+                  <a:ea typeface="Roboto Light" panose="02000000000000000000" pitchFamily="2" charset="0"/>
+                  <a:cs typeface="Roboto Light" panose="02000000000000000000" pitchFamily="2" charset="0"/>
+                </a:rPr>
+                <a:t>JS</a:t>
+              </a:r>
+              <a:endParaRPr lang="en-US" sz="2700" dirty="0">
+                <a:solidFill>
+                  <a:schemeClr val="tx1"/>
+                </a:solidFill>
+                <a:latin typeface="Calibri" panose="020F0502020204030204" pitchFamily="34" charset="0"/>
+                <a:ea typeface="Roboto Light" panose="02000000000000000000" pitchFamily="2" charset="0"/>
+                <a:cs typeface="Roboto Light" panose="02000000000000000000" pitchFamily="2" charset="0"/>
+              </a:endParaRPr>
+            </a:p>
+          </p:txBody>
+        </p:sp>
+        <p:pic>
+          <p:nvPicPr>
+            <p:cNvPr id="10" name="Picture 9"/>
+            <p:cNvPicPr>
+              <a:picLocks noChangeAspect="1"/>
+            </p:cNvPicPr>
+            <p:nvPr/>
+          </p:nvPicPr>
+          <p:blipFill>
+            <a:blip r:embed="rId2" cstate="print">
+              <a:extLst>
+                <a:ext uri="{28A0092B-C50C-407E-A947-70E740481C1C}">
+                  <a14:useLocalDpi xmlns:a14="http://schemas.microsoft.com/office/drawing/2010/main" val="0"/>
+                </a:ext>
+              </a:extLst>
+            </a:blip>
+            <a:stretch>
+              <a:fillRect/>
+            </a:stretch>
+          </p:blipFill>
+          <p:spPr>
+            <a:xfrm>
+              <a:off x="976312" y="1284918"/>
+              <a:ext cx="925816" cy="981439"/>
+            </a:xfrm>
+            <a:prstGeom prst="rect">
+              <a:avLst/>
+            </a:prstGeom>
+          </p:spPr>
+        </p:pic>
+        <p:sp>
+          <p:nvSpPr>
+            <p:cNvPr id="11" name="Subtitle 2"/>
+            <p:cNvSpPr txBox="1">
+              <a:spLocks/>
+            </p:cNvSpPr>
+            <p:nvPr/>
+          </p:nvSpPr>
+          <p:spPr>
+            <a:xfrm>
+              <a:off x="2544293" y="1905156"/>
+              <a:ext cx="6322695" cy="338554"/>
+            </a:xfrm>
+            <a:prstGeom prst="rect">
+              <a:avLst/>
+            </a:prstGeom>
+          </p:spPr>
+          <p:txBody>
+            <a:bodyPr wrap="square">
+              <a:spAutoFit/>
+            </a:bodyPr>
+            <a:lstStyle>
+              <a:lvl1pPr marL="0" indent="0" algn="l" defTabSz="914400" rtl="0" eaLnBrk="1" latinLnBrk="0" hangingPunct="1">
+                <a:spcBef>
+                  <a:spcPct val="20000"/>
+                </a:spcBef>
+                <a:buFont typeface="Arial" pitchFamily="34" charset="0"/>
+                <a:buNone/>
+                <a:defRPr sz="3200" kern="1200">
+                  <a:solidFill>
+                    <a:schemeClr val="tx1">
+                      <a:tint val="75000"/>
+                    </a:schemeClr>
+                  </a:solidFill>
+                  <a:latin typeface="+mj-lt"/>
+                  <a:ea typeface="+mn-ea"/>
+                  <a:cs typeface="+mn-cs"/>
+                </a:defRPr>
+              </a:lvl1pPr>
+              <a:lvl2pPr marL="457200" indent="0" algn="ctr" defTabSz="914400" rtl="0" eaLnBrk="1" latinLnBrk="0" hangingPunct="1">
+                <a:spcBef>
+                  <a:spcPct val="20000"/>
+                </a:spcBef>
+                <a:buFont typeface="Arial" pitchFamily="34" charset="0"/>
+                <a:buNone/>
+                <a:defRPr sz="2800" kern="1200">
+                  <a:solidFill>
+                    <a:schemeClr val="tx1">
+                      <a:tint val="75000"/>
+                    </a:schemeClr>
+                  </a:solidFill>
+                  <a:latin typeface="+mn-lt"/>
+                  <a:ea typeface="+mn-ea"/>
+                  <a:cs typeface="+mn-cs"/>
+                </a:defRPr>
+              </a:lvl2pPr>
+              <a:lvl3pPr marL="914400" indent="0" algn="ctr" defTabSz="914400" rtl="0" eaLnBrk="1" latinLnBrk="0" hangingPunct="1">
+                <a:spcBef>
+                  <a:spcPct val="20000"/>
+                </a:spcBef>
+                <a:buFont typeface="Arial" pitchFamily="34" charset="0"/>
+                <a:buNone/>
+                <a:defRPr sz="2400" kern="1200">
+                  <a:solidFill>
+                    <a:schemeClr val="tx1">
+                      <a:tint val="75000"/>
+                    </a:schemeClr>
+                  </a:solidFill>
+                  <a:latin typeface="+mn-lt"/>
+                  <a:ea typeface="+mn-ea"/>
+                  <a:cs typeface="+mn-cs"/>
+                </a:defRPr>
+              </a:lvl3pPr>
+              <a:lvl4pPr marL="1371600" indent="0" algn="ctr" defTabSz="914400" rtl="0" eaLnBrk="1" latinLnBrk="0" hangingPunct="1">
+                <a:spcBef>
+                  <a:spcPct val="20000"/>
+                </a:spcBef>
+                <a:buFont typeface="Arial" pitchFamily="34" charset="0"/>
+                <a:buNone/>
+                <a:defRPr sz="2000" kern="1200">
+                  <a:solidFill>
+                    <a:schemeClr val="tx1">
+                      <a:tint val="75000"/>
+                    </a:schemeClr>
+                  </a:solidFill>
+                  <a:latin typeface="+mn-lt"/>
+                  <a:ea typeface="+mn-ea"/>
+                  <a:cs typeface="+mn-cs"/>
+                </a:defRPr>
+              </a:lvl4pPr>
+              <a:lvl5pPr marL="1828800" indent="0" algn="ctr" defTabSz="914400" rtl="0" eaLnBrk="1" latinLnBrk="0" hangingPunct="1">
+                <a:spcBef>
+                  <a:spcPct val="20000"/>
+                </a:spcBef>
+                <a:buFont typeface="Arial" pitchFamily="34" charset="0"/>
+                <a:buNone/>
+                <a:defRPr sz="2000" kern="1200">
+                  <a:solidFill>
+                    <a:schemeClr val="tx1">
+                      <a:tint val="75000"/>
+                    </a:schemeClr>
+                  </a:solidFill>
+                  <a:latin typeface="+mn-lt"/>
+                  <a:ea typeface="+mn-ea"/>
+                  <a:cs typeface="+mn-cs"/>
+                </a:defRPr>
+              </a:lvl5pPr>
+              <a:lvl6pPr marL="2286000" indent="0" algn="ctr" defTabSz="914400" rtl="0" eaLnBrk="1" latinLnBrk="0" hangingPunct="1">
+                <a:spcBef>
+                  <a:spcPct val="20000"/>
+                </a:spcBef>
+                <a:buFont typeface="Arial" pitchFamily="34" charset="0"/>
+                <a:buNone/>
+                <a:defRPr sz="2000" kern="1200">
+                  <a:solidFill>
+                    <a:schemeClr val="tx1">
+                      <a:tint val="75000"/>
+                    </a:schemeClr>
+                  </a:solidFill>
+                  <a:latin typeface="+mn-lt"/>
+                  <a:ea typeface="+mn-ea"/>
+                  <a:cs typeface="+mn-cs"/>
+                </a:defRPr>
+              </a:lvl6pPr>
+              <a:lvl7pPr marL="2743200" indent="0" algn="ctr" defTabSz="914400" rtl="0" eaLnBrk="1" latinLnBrk="0" hangingPunct="1">
+                <a:spcBef>
+                  <a:spcPct val="20000"/>
+                </a:spcBef>
+                <a:buFont typeface="Arial" pitchFamily="34" charset="0"/>
+                <a:buNone/>
+                <a:defRPr sz="2000" kern="1200">
+                  <a:solidFill>
+                    <a:schemeClr val="tx1">
+                      <a:tint val="75000"/>
+                    </a:schemeClr>
+                  </a:solidFill>
+                  <a:latin typeface="+mn-lt"/>
+                  <a:ea typeface="+mn-ea"/>
+                  <a:cs typeface="+mn-cs"/>
+                </a:defRPr>
+              </a:lvl7pPr>
+              <a:lvl8pPr marL="3200400" indent="0" algn="ctr" defTabSz="914400" rtl="0" eaLnBrk="1" latinLnBrk="0" hangingPunct="1">
+                <a:spcBef>
+                  <a:spcPct val="20000"/>
+                </a:spcBef>
+                <a:buFont typeface="Arial" pitchFamily="34" charset="0"/>
+                <a:buNone/>
+                <a:defRPr sz="2000" kern="1200">
+                  <a:solidFill>
+                    <a:schemeClr val="tx1">
+                      <a:tint val="75000"/>
+                    </a:schemeClr>
+                  </a:solidFill>
+                  <a:latin typeface="+mn-lt"/>
+                  <a:ea typeface="+mn-ea"/>
+                  <a:cs typeface="+mn-cs"/>
+                </a:defRPr>
+              </a:lvl8pPr>
+              <a:lvl9pPr marL="3657600" indent="0" algn="ctr" defTabSz="914400" rtl="0" eaLnBrk="1" latinLnBrk="0" hangingPunct="1">
+                <a:spcBef>
+                  <a:spcPct val="20000"/>
+                </a:spcBef>
+                <a:buFont typeface="Arial" pitchFamily="34" charset="0"/>
+                <a:buNone/>
+                <a:defRPr sz="2000" kern="1200">
+                  <a:solidFill>
+                    <a:schemeClr val="tx1">
+                      <a:tint val="75000"/>
+                    </a:schemeClr>
+                  </a:solidFill>
+                  <a:latin typeface="+mn-lt"/>
+                  <a:ea typeface="+mn-ea"/>
+                  <a:cs typeface="+mn-cs"/>
+                </a:defRPr>
+              </a:lvl9pPr>
+            </a:lstStyle>
+            <a:p>
+              <a:r>
+                <a:rPr lang="en-US" sz="1600" dirty="0">
+                  <a:solidFill>
+                    <a:schemeClr val="tx1"/>
+                  </a:solidFill>
+                  <a:latin typeface="Calibri" panose="020F0502020204030204" pitchFamily="34" charset="0"/>
+                  <a:ea typeface="Roboto Light" panose="02000000000000000000" pitchFamily="2" charset="0"/>
+                  <a:cs typeface="Roboto Light" panose="02000000000000000000" pitchFamily="2" charset="0"/>
+                </a:rPr>
+                <a:t>by Google</a:t>
+              </a:r>
+            </a:p>
+          </p:txBody>
+        </p:sp>
+      </p:grpSp>
     </p:spTree>
     <p:extLst>
       <p:ext uri="{BB962C8B-B14F-4D97-AF65-F5344CB8AC3E}">
-        <p14:creationId xmlns:p14="http://schemas.microsoft.com/office/powerpoint/2010/main" xmlns="" val="3436223543"/>
+        <p14:creationId xmlns:p14="http://schemas.microsoft.com/office/powerpoint/2010/main" val="3436223543"/>
       </p:ext>
     </p:extLst>
   </p:cSld>
@@ -2175,7 +2380,7 @@
           <a:lstStyle/>
           <a:p>
             <a:r>
-              <a:rPr lang="en-US" dirty="0" smtClean="0">
+              <a:rPr lang="en-US" dirty="0">
                 <a:latin typeface="Calibri" pitchFamily="34" charset="0"/>
               </a:rPr>
               <a:t>Routing</a:t>
@@ -2207,124 +2412,70 @@
           <a:lstStyle/>
           <a:p>
             <a:r>
-              <a:rPr lang="ru-RU" sz="2400" dirty="0" err="1" smtClean="0">
+              <a:rPr lang="ru-RU" sz="1800" dirty="0" err="1">
                 <a:latin typeface="Calibri" pitchFamily="34" charset="0"/>
               </a:rPr>
               <a:t>AngularJS</a:t>
             </a:r>
             <a:r>
-              <a:rPr lang="ru-RU" sz="2400" dirty="0" smtClean="0">
-                <a:latin typeface="Calibri" pitchFamily="34" charset="0"/>
-              </a:rPr>
-              <a:t> предоставляет возможность управлять путями в </a:t>
-            </a:r>
-            <a:r>
-              <a:rPr lang="ru-RU" sz="2400" dirty="0" smtClean="0">
-                <a:latin typeface="Calibri" pitchFamily="34" charset="0"/>
-              </a:rPr>
-              <a:t> </a:t>
-            </a:r>
-            <a:r>
-              <a:rPr lang="ru-RU" sz="2400" dirty="0" smtClean="0">
-                <a:latin typeface="Calibri" pitchFamily="34" charset="0"/>
-              </a:rPr>
-              <a:t>приложении</a:t>
-            </a:r>
-            <a:r>
-              <a:rPr lang="ru-RU" sz="2400" dirty="0" smtClean="0">
-                <a:latin typeface="Calibri" pitchFamily="34" charset="0"/>
-              </a:rPr>
-              <a:t>,</a:t>
-            </a:r>
-            <a:r>
-              <a:rPr lang="ru-RU" sz="2400" dirty="0" smtClean="0">
-                <a:latin typeface="Calibri" pitchFamily="34" charset="0"/>
-              </a:rPr>
-              <a:t> </a:t>
-            </a:r>
-            <a:r>
-              <a:rPr lang="ru-RU" sz="2400" dirty="0" smtClean="0">
-                <a:latin typeface="Calibri" pitchFamily="34" charset="0"/>
-              </a:rPr>
-              <a:t>контролировать </a:t>
-            </a:r>
-            <a:r>
-              <a:rPr lang="ru-RU" sz="2400" dirty="0" smtClean="0">
-                <a:latin typeface="Calibri" pitchFamily="34" charset="0"/>
-              </a:rPr>
-              <a:t>какое представление будет использовано в зависимости от введенного </a:t>
-            </a:r>
-            <a:r>
-              <a:rPr lang="ru-RU" sz="2400" dirty="0" smtClean="0">
-                <a:latin typeface="Calibri" pitchFamily="34" charset="0"/>
-              </a:rPr>
-              <a:t>URL. Для </a:t>
-            </a:r>
-            <a:r>
-              <a:rPr lang="ru-RU" sz="2400" dirty="0" smtClean="0">
-                <a:latin typeface="Calibri" pitchFamily="34" charset="0"/>
-              </a:rPr>
-              <a:t>этого следует использовать сервис $</a:t>
-            </a:r>
-            <a:r>
-              <a:rPr lang="ru-RU" sz="2400" dirty="0" err="1" smtClean="0">
+              <a:rPr lang="ru-RU" sz="1800" dirty="0">
+                <a:latin typeface="Calibri" pitchFamily="34" charset="0"/>
+              </a:rPr>
+              <a:t> предоставляет возможность управлять путями в  приложении, контролировать какое представление будет использовано в зависимости от введенного URL. Для этого следует использовать сервис $</a:t>
+            </a:r>
+            <a:r>
+              <a:rPr lang="ru-RU" sz="1800" dirty="0" err="1">
                 <a:latin typeface="Calibri" pitchFamily="34" charset="0"/>
               </a:rPr>
               <a:t>routeProvider</a:t>
             </a:r>
             <a:r>
-              <a:rPr lang="ru-RU" sz="2400" dirty="0" smtClean="0">
+              <a:rPr lang="ru-RU" sz="1800" dirty="0">
                 <a:latin typeface="Calibri" pitchFamily="34" charset="0"/>
               </a:rPr>
               <a:t> с помощью которого можно связать запрашиваемые URL с определенными файлами. </a:t>
             </a:r>
-            <a:endParaRPr lang="en-US" sz="2400" dirty="0" smtClean="0">
+            <a:endParaRPr lang="en-US" sz="1800" dirty="0">
               <a:latin typeface="Calibri" pitchFamily="34" charset="0"/>
             </a:endParaRPr>
           </a:p>
           <a:p>
-            <a:endParaRPr lang="ru-RU" sz="2400" dirty="0" smtClean="0">
+            <a:endParaRPr lang="ru-RU" sz="1800" dirty="0">
               <a:latin typeface="Calibri" pitchFamily="34" charset="0"/>
             </a:endParaRPr>
           </a:p>
           <a:p>
             <a:r>
-              <a:rPr lang="ru-RU" sz="2400" dirty="0" smtClean="0">
-                <a:latin typeface="Calibri" pitchFamily="34" charset="0"/>
-              </a:rPr>
-              <a:t>Для </a:t>
-            </a:r>
-            <a:r>
-              <a:rPr lang="ru-RU" sz="2400" dirty="0" smtClean="0">
-                <a:latin typeface="Calibri" pitchFamily="34" charset="0"/>
-              </a:rPr>
-              <a:t>того чтобы получить путь в приложении нужно использовать сервис $</a:t>
-            </a:r>
-            <a:r>
-              <a:rPr lang="ru-RU" sz="2400" dirty="0" err="1" smtClean="0">
+              <a:rPr lang="ru-RU" sz="1800" dirty="0">
+                <a:latin typeface="Calibri" pitchFamily="34" charset="0"/>
+              </a:rPr>
+              <a:t>Для того чтобы получить путь в приложении нужно использовать сервис $</a:t>
+            </a:r>
+            <a:r>
+              <a:rPr lang="ru-RU" sz="1800" dirty="0" err="1">
                 <a:latin typeface="Calibri" pitchFamily="34" charset="0"/>
               </a:rPr>
               <a:t>route</a:t>
             </a:r>
             <a:r>
-              <a:rPr lang="ru-RU" sz="2400" dirty="0" smtClean="0">
+              <a:rPr lang="ru-RU" sz="1800" dirty="0">
                 <a:latin typeface="Calibri" pitchFamily="34" charset="0"/>
               </a:rPr>
               <a:t>. А сервис $</a:t>
             </a:r>
             <a:r>
-              <a:rPr lang="ru-RU" sz="2400" dirty="0" err="1" smtClean="0">
+              <a:rPr lang="ru-RU" sz="1800" dirty="0" err="1">
                 <a:latin typeface="Calibri" pitchFamily="34" charset="0"/>
               </a:rPr>
               <a:t>routeParams</a:t>
             </a:r>
             <a:r>
-              <a:rPr lang="ru-RU" sz="2400" dirty="0" smtClean="0">
+              <a:rPr lang="ru-RU" sz="1800" dirty="0">
                 <a:latin typeface="Calibri" pitchFamily="34" charset="0"/>
               </a:rPr>
               <a:t> используется для указания опциональных параметров URL. </a:t>
             </a:r>
-            <a:endParaRPr lang="uk-UA" sz="2400" dirty="0">
+            <a:endParaRPr lang="uk-UA" sz="1800" dirty="0">
               <a:latin typeface="Calibri" pitchFamily="34" charset="0"/>
             </a:endParaRPr>
           </a:p>
@@ -2371,7 +2522,7 @@
           <a:lstStyle/>
           <a:p>
             <a:r>
-              <a:rPr lang="en-US" dirty="0" smtClean="0">
+              <a:rPr lang="en-US" dirty="0">
                 <a:latin typeface="Calibri" pitchFamily="34" charset="0"/>
               </a:rPr>
               <a:t>Routing</a:t>
@@ -2403,173 +2554,161 @@
           <a:lstStyle/>
           <a:p>
             <a:r>
-              <a:rPr lang="ru-RU" sz="2000" dirty="0" smtClean="0">
+              <a:rPr lang="ru-RU" sz="1800" dirty="0">
                 <a:latin typeface="Calibri" pitchFamily="34" charset="0"/>
               </a:rPr>
               <a:t>Для настройки маршрутизации используется </a:t>
             </a:r>
             <a:r>
-              <a:rPr lang="en-US" sz="2000" b="1" dirty="0" smtClean="0">
+              <a:rPr lang="en-US" sz="1800" b="1" dirty="0">
                 <a:latin typeface="Calibri" pitchFamily="34" charset="0"/>
               </a:rPr>
               <a:t>$</a:t>
             </a:r>
             <a:r>
-              <a:rPr lang="en-US" sz="2000" b="1" dirty="0" err="1" smtClean="0">
+              <a:rPr lang="en-US" sz="1800" b="1" dirty="0" err="1">
                 <a:latin typeface="Calibri" pitchFamily="34" charset="0"/>
               </a:rPr>
               <a:t>routeProvider</a:t>
             </a:r>
             <a:r>
-              <a:rPr lang="en-US" sz="2000" dirty="0" smtClean="0">
+              <a:rPr lang="en-US" sz="1800" dirty="0">
                 <a:latin typeface="Calibri" pitchFamily="34" charset="0"/>
               </a:rPr>
               <a:t>. </a:t>
             </a:r>
           </a:p>
           <a:p>
-            <a:endParaRPr lang="en-US" sz="2000" dirty="0" smtClean="0">
+            <a:endParaRPr lang="en-US" sz="1800" dirty="0">
               <a:latin typeface="Calibri" pitchFamily="34" charset="0"/>
             </a:endParaRPr>
           </a:p>
           <a:p>
             <a:r>
-              <a:rPr lang="en-US" sz="2000" b="1" dirty="0" smtClean="0">
+              <a:rPr lang="en-US" sz="1800" b="1" dirty="0">
                 <a:latin typeface="Calibri" pitchFamily="34" charset="0"/>
               </a:rPr>
               <a:t>$</a:t>
             </a:r>
             <a:r>
-              <a:rPr lang="en-US" sz="2000" b="1" dirty="0" err="1" smtClean="0">
+              <a:rPr lang="en-US" sz="1800" b="1" dirty="0" err="1">
                 <a:latin typeface="Calibri" pitchFamily="34" charset="0"/>
               </a:rPr>
               <a:t>routeProvider</a:t>
             </a:r>
             <a:r>
-              <a:rPr lang="en-US" sz="2000" b="1" dirty="0" smtClean="0">
+              <a:rPr lang="en-US" sz="1800" b="1" dirty="0">
                 <a:latin typeface="Calibri" pitchFamily="34" charset="0"/>
               </a:rPr>
               <a:t> </a:t>
             </a:r>
             <a:r>
-              <a:rPr lang="ru-RU" sz="2000" dirty="0" smtClean="0">
+              <a:rPr lang="ru-RU" sz="1800" dirty="0">
                 <a:latin typeface="Calibri" pitchFamily="34" charset="0"/>
               </a:rPr>
               <a:t> добавляет новое определение маршрута в сервис $</a:t>
             </a:r>
             <a:r>
-              <a:rPr lang="ru-RU" sz="2000" dirty="0" err="1" smtClean="0">
+              <a:rPr lang="ru-RU" sz="1800" dirty="0" err="1">
                 <a:latin typeface="Calibri" pitchFamily="34" charset="0"/>
               </a:rPr>
               <a:t>route</a:t>
             </a:r>
             <a:r>
-              <a:rPr lang="ru-RU" sz="2000" dirty="0" smtClean="0">
-                <a:latin typeface="Calibri" pitchFamily="34" charset="0"/>
-              </a:rPr>
-              <a:t> через </a:t>
-            </a:r>
-            <a:r>
-              <a:rPr lang="ru-RU" sz="2000" dirty="0" smtClean="0">
-                <a:latin typeface="Calibri" pitchFamily="34" charset="0"/>
-              </a:rPr>
-              <a:t>метод </a:t>
-            </a:r>
-            <a:r>
-              <a:rPr lang="ru-RU" sz="2000" dirty="0" err="1" smtClean="0">
+              <a:rPr lang="ru-RU" sz="1800" dirty="0">
+                <a:latin typeface="Calibri" pitchFamily="34" charset="0"/>
+              </a:rPr>
+              <a:t> через метод </a:t>
+            </a:r>
+            <a:r>
+              <a:rPr lang="ru-RU" sz="1800" dirty="0" err="1">
                 <a:latin typeface="Calibri" pitchFamily="34" charset="0"/>
               </a:rPr>
               <a:t>when</a:t>
             </a:r>
             <a:r>
-              <a:rPr lang="ru-RU" sz="2000" dirty="0" smtClean="0">
+              <a:rPr lang="ru-RU" sz="1800" dirty="0">
                 <a:latin typeface="Calibri" pitchFamily="34" charset="0"/>
               </a:rPr>
               <a:t>(</a:t>
             </a:r>
             <a:r>
-              <a:rPr lang="ru-RU" sz="2000" dirty="0" err="1" smtClean="0">
+              <a:rPr lang="ru-RU" sz="1800" dirty="0" err="1">
                 <a:latin typeface="Calibri" pitchFamily="34" charset="0"/>
               </a:rPr>
               <a:t>path</a:t>
             </a:r>
             <a:r>
-              <a:rPr lang="ru-RU" sz="2000" dirty="0" smtClean="0">
+              <a:rPr lang="ru-RU" sz="1800" dirty="0">
                 <a:latin typeface="Calibri" pitchFamily="34" charset="0"/>
               </a:rPr>
               <a:t>, </a:t>
             </a:r>
             <a:r>
-              <a:rPr lang="ru-RU" sz="2000" dirty="0" err="1" smtClean="0">
+              <a:rPr lang="ru-RU" sz="1800" dirty="0" err="1">
                 <a:latin typeface="Calibri" pitchFamily="34" charset="0"/>
               </a:rPr>
               <a:t>route</a:t>
             </a:r>
             <a:r>
-              <a:rPr lang="ru-RU" sz="2000" dirty="0" smtClean="0">
+              <a:rPr lang="ru-RU" sz="1800" dirty="0">
                 <a:latin typeface="Calibri" pitchFamily="34" charset="0"/>
               </a:rPr>
               <a:t>):</a:t>
             </a:r>
           </a:p>
           <a:p>
-            <a:endParaRPr lang="ru-RU" sz="2000" dirty="0" smtClean="0">
+            <a:endParaRPr lang="ru-RU" sz="1800" dirty="0">
               <a:latin typeface="Calibri" pitchFamily="34" charset="0"/>
             </a:endParaRPr>
           </a:p>
           <a:p>
             <a:r>
-              <a:rPr lang="ru-RU" sz="2000" b="1" dirty="0" err="1" smtClean="0">
+              <a:rPr lang="ru-RU" sz="1800" b="1" dirty="0" err="1">
                 <a:latin typeface="Calibri" pitchFamily="34" charset="0"/>
               </a:rPr>
               <a:t>path</a:t>
             </a:r>
             <a:r>
-              <a:rPr lang="ru-RU" sz="2000" dirty="0" smtClean="0">
-                <a:latin typeface="Calibri" pitchFamily="34" charset="0"/>
-              </a:rPr>
-              <a:t> соответствует запросу из клиентского пути</a:t>
-            </a:r>
-            <a:r>
-              <a:rPr lang="ru-RU" sz="2000" dirty="0" smtClean="0">
-                <a:latin typeface="Calibri" pitchFamily="34" charset="0"/>
-              </a:rPr>
-              <a:t>;</a:t>
-            </a:r>
-          </a:p>
-          <a:p>
-            <a:endParaRPr lang="ru-RU" sz="2000" dirty="0" smtClean="0">
+              <a:rPr lang="ru-RU" sz="1800" dirty="0">
+                <a:latin typeface="Calibri" pitchFamily="34" charset="0"/>
+              </a:rPr>
+              <a:t> соответствует запросу из клиентского пути;</a:t>
+            </a:r>
+          </a:p>
+          <a:p>
+            <a:endParaRPr lang="ru-RU" sz="1800" dirty="0">
               <a:latin typeface="Calibri" pitchFamily="34" charset="0"/>
             </a:endParaRPr>
           </a:p>
           <a:p>
             <a:r>
-              <a:rPr lang="ru-RU" sz="2000" b="1" dirty="0" err="1" smtClean="0">
+              <a:rPr lang="ru-RU" sz="1800" b="1" dirty="0" err="1">
                 <a:latin typeface="Calibri" pitchFamily="34" charset="0"/>
               </a:rPr>
               <a:t>route</a:t>
             </a:r>
             <a:r>
-              <a:rPr lang="ru-RU" sz="2000" dirty="0" smtClean="0">
+              <a:rPr lang="ru-RU" sz="1800" dirty="0">
                 <a:latin typeface="Calibri" pitchFamily="34" charset="0"/>
               </a:rPr>
               <a:t> — параметр объекта и содержит сведения о сопоставлении, которые должны быть назначены, пока рассматривается подходящий маршрут (т. е. мы хотим обработать недавно зарегистрированный маршрут с определённым контроллером; свойство </a:t>
             </a:r>
             <a:r>
-              <a:rPr lang="ru-RU" sz="2000" dirty="0" err="1" smtClean="0">
+              <a:rPr lang="ru-RU" sz="1800" dirty="0" err="1">
                 <a:latin typeface="Calibri" pitchFamily="34" charset="0"/>
               </a:rPr>
               <a:t>controller</a:t>
             </a:r>
             <a:r>
-              <a:rPr lang="ru-RU" sz="2000" dirty="0" smtClean="0">
+              <a:rPr lang="ru-RU" sz="1800" dirty="0">
                 <a:latin typeface="Calibri" pitchFamily="34" charset="0"/>
               </a:rPr>
               <a:t> несёт ответственность за это дело).</a:t>
             </a:r>
           </a:p>
           <a:p>
-            <a:endParaRPr lang="uk-UA" sz="2000" dirty="0">
+            <a:endParaRPr lang="uk-UA" sz="1800" dirty="0">
               <a:latin typeface="Calibri" pitchFamily="34" charset="0"/>
             </a:endParaRPr>
           </a:p>
@@ -2616,22 +2755,16 @@
           <a:lstStyle/>
           <a:p>
             <a:r>
-              <a:rPr lang="ru-RU" dirty="0" smtClean="0">
+              <a:rPr lang="ru-RU" dirty="0">
                 <a:latin typeface="Calibri" pitchFamily="34" charset="0"/>
               </a:rPr>
               <a:t>Сервис </a:t>
             </a:r>
             <a:r>
-              <a:rPr lang="en-US" dirty="0" smtClean="0">
-                <a:latin typeface="Calibri" pitchFamily="34" charset="0"/>
-              </a:rPr>
-              <a:t>$locatio</a:t>
-            </a:r>
-            <a:r>
-              <a:rPr lang="en-US" dirty="0" smtClean="0">
-                <a:latin typeface="Calibri" pitchFamily="34" charset="0"/>
-              </a:rPr>
-              <a:t>n</a:t>
+              <a:rPr lang="en-US" dirty="0">
+                <a:latin typeface="Calibri" pitchFamily="34" charset="0"/>
+              </a:rPr>
+              <a:t>$location</a:t>
             </a:r>
             <a:endParaRPr lang="uk-UA" dirty="0">
               <a:latin typeface="Calibri" pitchFamily="34" charset="0"/>
@@ -2660,43 +2793,43 @@
           <a:lstStyle/>
           <a:p>
             <a:r>
-              <a:rPr lang="en-US" sz="2800" dirty="0" smtClean="0">
-                <a:latin typeface="Calibri" pitchFamily="34" charset="0"/>
-              </a:rPr>
-              <a:t>$location.url</a:t>
-            </a:r>
-            <a:r>
-              <a:rPr lang="en-US" sz="2800" dirty="0" smtClean="0">
-                <a:latin typeface="Calibri" pitchFamily="34" charset="0"/>
-              </a:rPr>
-              <a:t>() - </a:t>
-            </a:r>
-            <a:r>
-              <a:rPr lang="uk-UA" sz="2800" dirty="0" err="1" smtClean="0">
-                <a:latin typeface="Calibri" pitchFamily="34" charset="0"/>
-              </a:rPr>
-              <a:t>Возвращает</a:t>
-            </a:r>
-            <a:r>
-              <a:rPr lang="uk-UA" sz="2800" dirty="0" smtClean="0">
+              <a:rPr lang="en-US" sz="1800" b="1" dirty="0">
+                <a:latin typeface="Calibri" pitchFamily="34" charset="0"/>
+              </a:rPr>
+              <a:t>$location.url()</a:t>
+            </a:r>
+            <a:r>
+              <a:rPr lang="en-US" sz="1800" dirty="0">
+                <a:latin typeface="Calibri" pitchFamily="34" charset="0"/>
+              </a:rPr>
+              <a:t> - </a:t>
+            </a:r>
+            <a:r>
+              <a:rPr lang="uk-UA" sz="1800" dirty="0" err="1">
+                <a:latin typeface="Calibri" pitchFamily="34" charset="0"/>
+              </a:rPr>
+              <a:t>возвращает</a:t>
+            </a:r>
+            <a:r>
+              <a:rPr lang="uk-UA" sz="1800" dirty="0">
                 <a:latin typeface="Calibri" pitchFamily="34" charset="0"/>
               </a:rPr>
               <a:t> </a:t>
             </a:r>
             <a:r>
-              <a:rPr lang="uk-UA" sz="2800" dirty="0" err="1" smtClean="0">
+              <a:rPr lang="uk-UA" sz="1800" dirty="0" err="1">
                 <a:latin typeface="Calibri" pitchFamily="34" charset="0"/>
               </a:rPr>
               <a:t>полный</a:t>
             </a:r>
             <a:r>
-              <a:rPr lang="uk-UA" sz="2800" dirty="0" smtClean="0">
+              <a:rPr lang="uk-UA" sz="1800" dirty="0">
                 <a:latin typeface="Calibri" pitchFamily="34" charset="0"/>
               </a:rPr>
               <a:t> </a:t>
             </a:r>
             <a:r>
-              <a:rPr lang="en-US" sz="2800" dirty="0" smtClean="0">
+              <a:rPr lang="en-US" sz="1800" dirty="0">
                 <a:latin typeface="Calibri" pitchFamily="34" charset="0"/>
               </a:rPr>
               <a:t>URL</a:t>
@@ -2704,43 +2837,43 @@
           </a:p>
           <a:p>
             <a:r>
-              <a:rPr lang="en-US" sz="2800" dirty="0" smtClean="0">
+              <a:rPr lang="en-US" sz="1800" b="1" dirty="0">
                 <a:latin typeface="Calibri" pitchFamily="34" charset="0"/>
               </a:rPr>
               <a:t>$</a:t>
             </a:r>
             <a:r>
-              <a:rPr lang="en-US" sz="2800" dirty="0" err="1" smtClean="0">
+              <a:rPr lang="en-US" sz="1800" b="1" dirty="0" err="1">
                 <a:latin typeface="Calibri" pitchFamily="34" charset="0"/>
               </a:rPr>
               <a:t>location.path</a:t>
             </a:r>
             <a:r>
-              <a:rPr lang="en-US" sz="2800" dirty="0" smtClean="0">
-                <a:latin typeface="Calibri" pitchFamily="34" charset="0"/>
-              </a:rPr>
-              <a:t>() - </a:t>
-            </a:r>
-            <a:r>
-              <a:rPr lang="ru-RU" sz="2800" dirty="0" smtClean="0">
-                <a:latin typeface="Calibri" pitchFamily="34" charset="0"/>
-              </a:rPr>
-              <a:t>Возвращает путь без GET </a:t>
-            </a:r>
-            <a:r>
-              <a:rPr lang="ru-RU" sz="2800" dirty="0" smtClean="0">
-                <a:latin typeface="Calibri" pitchFamily="34" charset="0"/>
-              </a:rPr>
-              <a:t>параметров</a:t>
-            </a:r>
-            <a:r>
-              <a:rPr lang="en-US" sz="2800" dirty="0" smtClean="0">
+              <a:rPr lang="en-US" sz="1800" b="1" dirty="0">
+                <a:latin typeface="Calibri" pitchFamily="34" charset="0"/>
+              </a:rPr>
+              <a:t>()</a:t>
+            </a:r>
+            <a:r>
+              <a:rPr lang="en-US" sz="1800" dirty="0">
+                <a:latin typeface="Calibri" pitchFamily="34" charset="0"/>
+              </a:rPr>
+              <a:t> - </a:t>
+            </a:r>
+            <a:r>
+              <a:rPr lang="ru-RU" sz="1800" dirty="0">
+                <a:latin typeface="Calibri" pitchFamily="34" charset="0"/>
+              </a:rPr>
+              <a:t>возвращает путь без GET параметров</a:t>
+            </a:r>
+            <a:r>
+              <a:rPr lang="en-US" sz="1800" dirty="0">
                 <a:latin typeface="Calibri" pitchFamily="34" charset="0"/>
               </a:rPr>
               <a:t>, </a:t>
             </a:r>
             <a:r>
-              <a:rPr lang="ru-RU" sz="2800" dirty="0" smtClean="0">
+              <a:rPr lang="ru-RU" sz="1800" dirty="0">
                 <a:latin typeface="Calibri" pitchFamily="34" charset="0"/>
               </a:rPr>
               <a:t>устанавливает путь </a:t>
@@ -2748,174 +2881,165 @@
           </a:p>
           <a:p>
             <a:r>
-              <a:rPr lang="en-US" sz="2800" dirty="0" smtClean="0">
+              <a:rPr lang="en-US" sz="1800" b="1" dirty="0">
                 <a:latin typeface="Calibri" pitchFamily="34" charset="0"/>
               </a:rPr>
               <a:t>$</a:t>
             </a:r>
             <a:r>
-              <a:rPr lang="en-US" sz="2800" dirty="0" err="1" smtClean="0">
+              <a:rPr lang="en-US" sz="1800" b="1" dirty="0" err="1">
                 <a:latin typeface="Calibri" pitchFamily="34" charset="0"/>
               </a:rPr>
               <a:t>location.hash</a:t>
             </a:r>
             <a:r>
-              <a:rPr lang="en-US" sz="2800" dirty="0" smtClean="0">
+              <a:rPr lang="en-US" sz="1800" b="1" dirty="0">
                 <a:latin typeface="Calibri" pitchFamily="34" charset="0"/>
               </a:rPr>
               <a:t>()</a:t>
             </a:r>
             <a:r>
-              <a:rPr lang="ru-RU" sz="2800" dirty="0" smtClean="0">
+              <a:rPr lang="ru-RU" sz="1800" dirty="0">
                 <a:latin typeface="Calibri" pitchFamily="34" charset="0"/>
               </a:rPr>
               <a:t> - </a:t>
             </a:r>
             <a:r>
-              <a:rPr lang="uk-UA" sz="2800" dirty="0" err="1" smtClean="0">
-                <a:latin typeface="Calibri" pitchFamily="34" charset="0"/>
-              </a:rPr>
-              <a:t>Возвращает</a:t>
-            </a:r>
-            <a:r>
-              <a:rPr lang="uk-UA" sz="2800" dirty="0" smtClean="0">
+              <a:rPr lang="uk-UA" sz="1800" dirty="0" err="1">
+                <a:latin typeface="Calibri" pitchFamily="34" charset="0"/>
+              </a:rPr>
+              <a:t>возвращает</a:t>
+            </a:r>
+            <a:r>
+              <a:rPr lang="uk-UA" sz="1800" dirty="0">
                 <a:latin typeface="Calibri" pitchFamily="34" charset="0"/>
               </a:rPr>
               <a:t> строку </a:t>
             </a:r>
             <a:r>
-              <a:rPr lang="uk-UA" sz="2800" dirty="0" err="1" smtClean="0">
+              <a:rPr lang="uk-UA" sz="1800" dirty="0" err="1">
                 <a:latin typeface="Calibri" pitchFamily="34" charset="0"/>
               </a:rPr>
               <a:t>после</a:t>
             </a:r>
             <a:r>
-              <a:rPr lang="uk-UA" sz="2800" dirty="0" smtClean="0">
+              <a:rPr lang="uk-UA" sz="1800" dirty="0">
                 <a:latin typeface="Calibri" pitchFamily="34" charset="0"/>
               </a:rPr>
               <a:t> </a:t>
             </a:r>
             <a:r>
-              <a:rPr lang="uk-UA" sz="2800" dirty="0" err="1" smtClean="0">
+              <a:rPr lang="uk-UA" sz="1800" dirty="0" err="1">
                 <a:latin typeface="Calibri" pitchFamily="34" charset="0"/>
               </a:rPr>
               <a:t>символа</a:t>
             </a:r>
             <a:r>
-              <a:rPr lang="uk-UA" sz="2800" dirty="0" smtClean="0">
+              <a:rPr lang="uk-UA" sz="1800" dirty="0">
+                <a:latin typeface="Calibri" pitchFamily="34" charset="0"/>
+              </a:rPr>
+              <a:t> "#“</a:t>
+            </a:r>
+          </a:p>
+          <a:p>
+            <a:r>
+              <a:rPr lang="en-US" sz="1800" b="1" dirty="0">
+                <a:latin typeface="Calibri" pitchFamily="34" charset="0"/>
+              </a:rPr>
+              <a:t>$</a:t>
+            </a:r>
+            <a:r>
+              <a:rPr lang="en-US" sz="1800" b="1" dirty="0" err="1">
+                <a:latin typeface="Calibri" pitchFamily="34" charset="0"/>
+              </a:rPr>
+              <a:t>location.host</a:t>
+            </a:r>
+            <a:r>
+              <a:rPr lang="en-US" sz="1800" b="1" dirty="0">
+                <a:latin typeface="Calibri" pitchFamily="34" charset="0"/>
+              </a:rPr>
+              <a:t>()</a:t>
+            </a:r>
+            <a:r>
+              <a:rPr lang="ru-RU" sz="1800" dirty="0">
+                <a:latin typeface="Calibri" pitchFamily="34" charset="0"/>
+              </a:rPr>
+              <a:t> - </a:t>
+            </a:r>
+            <a:r>
+              <a:rPr lang="uk-UA" sz="1800" dirty="0" err="1">
+                <a:latin typeface="Calibri" pitchFamily="34" charset="0"/>
+              </a:rPr>
+              <a:t>возвращает</a:t>
+            </a:r>
+            <a:r>
+              <a:rPr lang="uk-UA" sz="1800" dirty="0">
                 <a:latin typeface="Calibri" pitchFamily="34" charset="0"/>
               </a:rPr>
               <a:t> </a:t>
             </a:r>
             <a:r>
-              <a:rPr lang="uk-UA" sz="2800" dirty="0" smtClean="0">
-                <a:latin typeface="Calibri" pitchFamily="34" charset="0"/>
-              </a:rPr>
-              <a:t>"#“</a:t>
-            </a:r>
-          </a:p>
-          <a:p>
-            <a:r>
-              <a:rPr lang="en-US" sz="2800" dirty="0" smtClean="0">
+              <a:rPr lang="uk-UA" sz="1800" dirty="0" err="1">
+                <a:latin typeface="Calibri" pitchFamily="34" charset="0"/>
+              </a:rPr>
+              <a:t>имя</a:t>
+            </a:r>
+            <a:r>
+              <a:rPr lang="uk-UA" sz="1800" dirty="0">
+                <a:latin typeface="Calibri" pitchFamily="34" charset="0"/>
+              </a:rPr>
+              <a:t> </a:t>
+            </a:r>
+            <a:r>
+              <a:rPr lang="uk-UA" sz="1800" dirty="0" err="1">
+                <a:latin typeface="Calibri" pitchFamily="34" charset="0"/>
+              </a:rPr>
+              <a:t>хоста</a:t>
+            </a:r>
+            <a:r>
+              <a:rPr lang="uk-UA" sz="1800" dirty="0">
+                <a:latin typeface="Calibri" pitchFamily="34" charset="0"/>
+              </a:rPr>
+              <a:t> </a:t>
+            </a:r>
+          </a:p>
+          <a:p>
+            <a:r>
+              <a:rPr lang="en-US" sz="1800" b="1" dirty="0">
                 <a:latin typeface="Calibri" pitchFamily="34" charset="0"/>
               </a:rPr>
               <a:t>$</a:t>
             </a:r>
             <a:r>
-              <a:rPr lang="en-US" sz="2800" dirty="0" err="1" smtClean="0">
-                <a:latin typeface="Calibri" pitchFamily="34" charset="0"/>
-              </a:rPr>
-              <a:t>location.host</a:t>
-            </a:r>
-            <a:r>
-              <a:rPr lang="en-US" sz="2800" dirty="0" smtClean="0">
+              <a:rPr lang="en-US" sz="1800" b="1" dirty="0" err="1">
+                <a:latin typeface="Calibri" pitchFamily="34" charset="0"/>
+              </a:rPr>
+              <a:t>location.port</a:t>
+            </a:r>
+            <a:r>
+              <a:rPr lang="en-US" sz="1800" b="1" dirty="0">
                 <a:latin typeface="Calibri" pitchFamily="34" charset="0"/>
               </a:rPr>
               <a:t>()</a:t>
             </a:r>
             <a:r>
-              <a:rPr lang="ru-RU" sz="2800" dirty="0" smtClean="0">
+              <a:rPr lang="ru-RU" sz="1800" dirty="0">
                 <a:latin typeface="Calibri" pitchFamily="34" charset="0"/>
               </a:rPr>
               <a:t> - </a:t>
             </a:r>
             <a:r>
-              <a:rPr lang="uk-UA" sz="2800" dirty="0" err="1" smtClean="0">
-                <a:latin typeface="Calibri" pitchFamily="34" charset="0"/>
-              </a:rPr>
-              <a:t>Возвращает</a:t>
-            </a:r>
-            <a:r>
-              <a:rPr lang="uk-UA" sz="2800" dirty="0" smtClean="0">
-                <a:latin typeface="Calibri" pitchFamily="34" charset="0"/>
-              </a:rPr>
-              <a:t> </a:t>
-            </a:r>
-            <a:r>
-              <a:rPr lang="uk-UA" sz="2800" dirty="0" err="1" smtClean="0">
-                <a:latin typeface="Calibri" pitchFamily="34" charset="0"/>
-              </a:rPr>
-              <a:t>имя</a:t>
-            </a:r>
-            <a:r>
-              <a:rPr lang="uk-UA" sz="2800" dirty="0" smtClean="0">
-                <a:latin typeface="Calibri" pitchFamily="34" charset="0"/>
-              </a:rPr>
-              <a:t> </a:t>
-            </a:r>
-            <a:r>
-              <a:rPr lang="uk-UA" sz="2800" dirty="0" err="1" smtClean="0">
-                <a:latin typeface="Calibri" pitchFamily="34" charset="0"/>
-              </a:rPr>
-              <a:t>хоста</a:t>
-            </a:r>
-            <a:r>
-              <a:rPr lang="uk-UA" sz="2800" dirty="0" smtClean="0">
-                <a:latin typeface="Calibri" pitchFamily="34" charset="0"/>
-              </a:rPr>
-              <a:t> </a:t>
-            </a:r>
-          </a:p>
-          <a:p>
-            <a:r>
-              <a:rPr lang="en-US" sz="2800" dirty="0" smtClean="0">
-                <a:latin typeface="Calibri" pitchFamily="34" charset="0"/>
-              </a:rPr>
-              <a:t>$</a:t>
-            </a:r>
-            <a:r>
-              <a:rPr lang="en-US" sz="2800" dirty="0" err="1" smtClean="0">
-                <a:latin typeface="Calibri" pitchFamily="34" charset="0"/>
-              </a:rPr>
-              <a:t>location.port</a:t>
-            </a:r>
-            <a:r>
-              <a:rPr lang="en-US" sz="2800" dirty="0" smtClean="0">
-                <a:latin typeface="Calibri" pitchFamily="34" charset="0"/>
-              </a:rPr>
-              <a:t>()</a:t>
-            </a:r>
-            <a:r>
-              <a:rPr lang="ru-RU" sz="2800" dirty="0" smtClean="0">
-                <a:latin typeface="Calibri" pitchFamily="34" charset="0"/>
-              </a:rPr>
-              <a:t> - </a:t>
-            </a:r>
-            <a:r>
-              <a:rPr lang="uk-UA" sz="2800" dirty="0" err="1" smtClean="0">
-                <a:latin typeface="Calibri" pitchFamily="34" charset="0"/>
-              </a:rPr>
-              <a:t>Возвращает</a:t>
-            </a:r>
-            <a:r>
-              <a:rPr lang="uk-UA" sz="2800" dirty="0" smtClean="0">
+              <a:rPr lang="uk-UA" sz="1800" dirty="0" err="1">
+                <a:latin typeface="Calibri" pitchFamily="34" charset="0"/>
+              </a:rPr>
+              <a:t>возвращает</a:t>
+            </a:r>
+            <a:r>
+              <a:rPr lang="uk-UA" sz="1800" dirty="0">
                 <a:latin typeface="Calibri" pitchFamily="34" charset="0"/>
               </a:rPr>
               <a:t> порт</a:t>
             </a:r>
-            <a:endParaRPr lang="uk-UA" sz="2800" dirty="0">
-              <a:latin typeface="Calibri" pitchFamily="34" charset="0"/>
-            </a:endParaRPr>
           </a:p>
         </p:txBody>
       </p:sp>
@@ -2960,7 +3084,7 @@
           <a:lstStyle/>
           <a:p>
             <a:r>
-              <a:rPr lang="en-US" dirty="0" smtClean="0">
+              <a:rPr lang="en-US" dirty="0">
                 <a:latin typeface="Calibri" pitchFamily="34" charset="0"/>
               </a:rPr>
               <a:t>Routing</a:t>
@@ -3009,213 +3133,330 @@
               <a:buNone/>
             </a:pPr>
             <a:r>
-              <a:rPr lang="en-US" sz="2000" dirty="0" smtClean="0"/>
+              <a:rPr lang="en-US" sz="1800" dirty="0">
+                <a:latin typeface="Calibri" panose="020F0502020204030204" pitchFamily="34" charset="0"/>
+              </a:rPr>
               <a:t> </a:t>
             </a:r>
             <a:r>
-              <a:rPr lang="en-US" sz="2000" dirty="0" err="1" smtClean="0"/>
+              <a:rPr lang="en-US" sz="1800" dirty="0" err="1">
+                <a:latin typeface="Calibri" panose="020F0502020204030204" pitchFamily="34" charset="0"/>
+              </a:rPr>
               <a:t>angular.module</a:t>
             </a:r>
             <a:r>
-              <a:rPr lang="en-US" sz="2000" dirty="0" smtClean="0"/>
+              <a:rPr lang="en-US" sz="1800" dirty="0">
+                <a:latin typeface="Calibri" panose="020F0502020204030204" pitchFamily="34" charset="0"/>
+              </a:rPr>
               <a:t>('</a:t>
             </a:r>
             <a:r>
-              <a:rPr lang="en-US" sz="2000" dirty="0" err="1" smtClean="0"/>
+              <a:rPr lang="en-US" sz="1800" dirty="0" err="1">
+                <a:solidFill>
+                  <a:srgbClr val="C00000"/>
+                </a:solidFill>
+                <a:latin typeface="Calibri" panose="020F0502020204030204" pitchFamily="34" charset="0"/>
+              </a:rPr>
               <a:t>RoutingApp</a:t>
             </a:r>
             <a:r>
-              <a:rPr lang="en-US" sz="2000" dirty="0" smtClean="0"/>
+              <a:rPr lang="en-US" sz="1800" dirty="0">
+                <a:latin typeface="Calibri" panose="020F0502020204030204" pitchFamily="34" charset="0"/>
+              </a:rPr>
               <a:t>', ['</a:t>
             </a:r>
             <a:r>
-              <a:rPr lang="en-US" sz="2000" dirty="0" err="1" smtClean="0"/>
+              <a:rPr lang="en-US" sz="1800" dirty="0" err="1">
+                <a:solidFill>
+                  <a:srgbClr val="C00000"/>
+                </a:solidFill>
+                <a:latin typeface="Calibri" panose="020F0502020204030204" pitchFamily="34" charset="0"/>
+              </a:rPr>
               <a:t>ngRoute</a:t>
             </a:r>
             <a:r>
-              <a:rPr lang="en-US" sz="2000" dirty="0" smtClean="0"/>
+              <a:rPr lang="en-US" sz="1800" dirty="0">
+                <a:latin typeface="Calibri" panose="020F0502020204030204" pitchFamily="34" charset="0"/>
+              </a:rPr>
               <a:t>']) </a:t>
             </a:r>
-            <a:endParaRPr lang="en-US" sz="2000" dirty="0" smtClean="0"/>
           </a:p>
           <a:p>
             <a:pPr>
               <a:buNone/>
             </a:pPr>
             <a:r>
-              <a:rPr lang="en-US" sz="2000" dirty="0" smtClean="0"/>
+              <a:rPr lang="en-US" sz="1800" dirty="0">
+                <a:latin typeface="Calibri" panose="020F0502020204030204" pitchFamily="34" charset="0"/>
+              </a:rPr>
               <a:t>.</a:t>
             </a:r>
             <a:r>
-              <a:rPr lang="en-US" sz="2000" dirty="0" err="1" smtClean="0"/>
+              <a:rPr lang="en-US" sz="1800" dirty="0" err="1">
+                <a:latin typeface="Calibri" panose="020F0502020204030204" pitchFamily="34" charset="0"/>
+              </a:rPr>
               <a:t>config</a:t>
             </a:r>
             <a:r>
-              <a:rPr lang="en-US" sz="2000" dirty="0" smtClean="0"/>
-              <a:t>( ['$</a:t>
-            </a:r>
-            <a:r>
-              <a:rPr lang="en-US" sz="2000" dirty="0" err="1" smtClean="0"/>
+              <a:rPr lang="en-US" sz="1800" dirty="0">
+                <a:latin typeface="Calibri" panose="020F0502020204030204" pitchFamily="34" charset="0"/>
+              </a:rPr>
+              <a:t>( ['</a:t>
+            </a:r>
+            <a:r>
+              <a:rPr lang="en-US" sz="1800" dirty="0">
+                <a:solidFill>
+                  <a:srgbClr val="C00000"/>
+                </a:solidFill>
+                <a:latin typeface="Calibri" panose="020F0502020204030204" pitchFamily="34" charset="0"/>
+              </a:rPr>
+              <a:t>$</a:t>
+            </a:r>
+            <a:r>
+              <a:rPr lang="en-US" sz="1800" dirty="0" err="1">
+                <a:solidFill>
+                  <a:srgbClr val="C00000"/>
+                </a:solidFill>
+                <a:latin typeface="Calibri" panose="020F0502020204030204" pitchFamily="34" charset="0"/>
+              </a:rPr>
               <a:t>routeProvider</a:t>
             </a:r>
             <a:r>
-              <a:rPr lang="en-US" sz="2000" dirty="0" smtClean="0"/>
-              <a:t>', function</a:t>
-            </a:r>
-            <a:r>
-              <a:rPr lang="en-US" sz="2000" dirty="0" smtClean="0"/>
-              <a:t>($</a:t>
-            </a:r>
-            <a:r>
-              <a:rPr lang="en-US" sz="2000" dirty="0" err="1" smtClean="0"/>
+              <a:rPr lang="en-US" sz="1800" dirty="0">
+                <a:latin typeface="Calibri" panose="020F0502020204030204" pitchFamily="34" charset="0"/>
+              </a:rPr>
+              <a:t>', function($</a:t>
+            </a:r>
+            <a:r>
+              <a:rPr lang="en-US" sz="1800" dirty="0" err="1">
+                <a:latin typeface="Calibri" panose="020F0502020204030204" pitchFamily="34" charset="0"/>
+              </a:rPr>
               <a:t>routeProvider</a:t>
             </a:r>
             <a:r>
-              <a:rPr lang="en-US" sz="2000" dirty="0" smtClean="0"/>
+              <a:rPr lang="en-US" sz="1800" dirty="0">
+                <a:latin typeface="Calibri" panose="020F0502020204030204" pitchFamily="34" charset="0"/>
+              </a:rPr>
               <a:t>) { </a:t>
             </a:r>
-            <a:endParaRPr lang="en-US" sz="2000" dirty="0" smtClean="0"/>
           </a:p>
           <a:p>
             <a:pPr>
               <a:buNone/>
             </a:pPr>
             <a:r>
-              <a:rPr lang="en-US" sz="2000" dirty="0" smtClean="0"/>
+              <a:rPr lang="en-US" sz="1800" dirty="0">
+                <a:latin typeface="Calibri" panose="020F0502020204030204" pitchFamily="34" charset="0"/>
+              </a:rPr>
+              <a:t>     $</a:t>
+            </a:r>
+            <a:r>
+              <a:rPr lang="en-US" sz="1800" dirty="0" err="1">
+                <a:latin typeface="Calibri" panose="020F0502020204030204" pitchFamily="34" charset="0"/>
+              </a:rPr>
+              <a:t>routeProvider</a:t>
+            </a:r>
+            <a:r>
+              <a:rPr lang="en-US" sz="1800" dirty="0">
+                <a:latin typeface="Calibri" panose="020F0502020204030204" pitchFamily="34" charset="0"/>
+              </a:rPr>
               <a:t> </a:t>
             </a:r>
-            <a:r>
-              <a:rPr lang="en-US" sz="2000" dirty="0" smtClean="0"/>
-              <a:t>    $</a:t>
-            </a:r>
-            <a:r>
-              <a:rPr lang="en-US" sz="2000" dirty="0" err="1" smtClean="0"/>
-              <a:t>routeProvider</a:t>
-            </a:r>
-            <a:r>
-              <a:rPr lang="en-US" sz="2000" dirty="0" smtClean="0"/>
-              <a:t> </a:t>
-            </a:r>
-            <a:r>
-              <a:rPr lang="en-US" sz="2000" dirty="0" smtClean="0"/>
-              <a:t/>
-            </a:r>
             <a:br>
-              <a:rPr lang="en-US" sz="2000" dirty="0" smtClean="0"/>
+              <a:rPr lang="en-US" sz="1800" dirty="0">
+                <a:latin typeface="Calibri" panose="020F0502020204030204" pitchFamily="34" charset="0"/>
+              </a:rPr>
             </a:br>
-            <a:r>
-              <a:rPr lang="en-US" sz="2000" dirty="0" smtClean="0"/>
-              <a:t/>
-            </a:r>
             <a:br>
-              <a:rPr lang="en-US" sz="2000" dirty="0" smtClean="0"/>
+              <a:rPr lang="en-US" sz="1800" dirty="0">
+                <a:latin typeface="Calibri" panose="020F0502020204030204" pitchFamily="34" charset="0"/>
+              </a:rPr>
             </a:br>
             <a:r>
-              <a:rPr lang="en-US" sz="2000" dirty="0" smtClean="0"/>
-              <a:t>.when</a:t>
-            </a:r>
-            <a:r>
-              <a:rPr lang="en-US" sz="2000" dirty="0" smtClean="0"/>
-              <a:t>('/first', { </a:t>
-            </a:r>
-            <a:r>
-              <a:rPr lang="en-US" sz="2000" dirty="0" smtClean="0"/>
-              <a:t/>
+              <a:rPr lang="en-US" sz="1800" dirty="0">
+                <a:latin typeface="Calibri" panose="020F0502020204030204" pitchFamily="34" charset="0"/>
+              </a:rPr>
+              <a:t>.when('</a:t>
+            </a:r>
+            <a:r>
+              <a:rPr lang="en-US" sz="1800" dirty="0">
+                <a:solidFill>
+                  <a:srgbClr val="C00000"/>
+                </a:solidFill>
+                <a:latin typeface="Calibri" panose="020F0502020204030204" pitchFamily="34" charset="0"/>
+              </a:rPr>
+              <a:t>/first</a:t>
+            </a:r>
+            <a:r>
+              <a:rPr lang="en-US" sz="1800" dirty="0">
+                <a:latin typeface="Calibri" panose="020F0502020204030204" pitchFamily="34" charset="0"/>
+              </a:rPr>
+              <a:t>', { </a:t>
             </a:r>
             <a:br>
-              <a:rPr lang="en-US" sz="2000" dirty="0" smtClean="0"/>
+              <a:rPr lang="en-US" sz="1800" dirty="0">
+                <a:latin typeface="Calibri" panose="020F0502020204030204" pitchFamily="34" charset="0"/>
+              </a:rPr>
             </a:br>
             <a:r>
-              <a:rPr lang="en-US" sz="2000" dirty="0" err="1" smtClean="0"/>
+              <a:rPr lang="en-US" sz="1800" dirty="0" err="1">
+                <a:latin typeface="Calibri" panose="020F0502020204030204" pitchFamily="34" charset="0"/>
+              </a:rPr>
               <a:t>templateUrl</a:t>
             </a:r>
             <a:r>
-              <a:rPr lang="en-US" sz="2000" dirty="0" smtClean="0"/>
-              <a:t>: 'first.html' </a:t>
-            </a:r>
-            <a:r>
-              <a:rPr lang="en-US" sz="2000" dirty="0" smtClean="0"/>
-              <a:t/>
+              <a:rPr lang="en-US" sz="1800" dirty="0">
+                <a:latin typeface="Calibri" panose="020F0502020204030204" pitchFamily="34" charset="0"/>
+              </a:rPr>
+              <a:t>: '</a:t>
+            </a:r>
+            <a:r>
+              <a:rPr lang="en-US" sz="1800" dirty="0">
+                <a:solidFill>
+                  <a:srgbClr val="C00000"/>
+                </a:solidFill>
+                <a:latin typeface="Calibri" panose="020F0502020204030204" pitchFamily="34" charset="0"/>
+              </a:rPr>
+              <a:t>first.html</a:t>
+            </a:r>
+            <a:r>
+              <a:rPr lang="en-US" sz="1800" dirty="0">
+                <a:latin typeface="Calibri" panose="020F0502020204030204" pitchFamily="34" charset="0"/>
+              </a:rPr>
+              <a:t>' </a:t>
             </a:r>
             <a:br>
-              <a:rPr lang="en-US" sz="2000" dirty="0" smtClean="0"/>
+              <a:rPr lang="en-US" sz="1800" dirty="0">
+                <a:latin typeface="Calibri" panose="020F0502020204030204" pitchFamily="34" charset="0"/>
+              </a:rPr>
             </a:br>
             <a:r>
-              <a:rPr lang="en-US" sz="2000" dirty="0" smtClean="0"/>
+              <a:rPr lang="en-US" sz="1800" dirty="0">
+                <a:latin typeface="Calibri" panose="020F0502020204030204" pitchFamily="34" charset="0"/>
+              </a:rPr>
               <a:t>}) </a:t>
             </a:r>
             <a:br>
-              <a:rPr lang="en-US" sz="2000" dirty="0" smtClean="0"/>
+              <a:rPr lang="en-US" sz="1800" dirty="0">
+                <a:latin typeface="Calibri" panose="020F0502020204030204" pitchFamily="34" charset="0"/>
+              </a:rPr>
             </a:br>
             <a:r>
-              <a:rPr lang="en-US" sz="2000" dirty="0" smtClean="0"/>
-              <a:t>.</a:t>
-            </a:r>
-            <a:r>
-              <a:rPr lang="en-US" sz="2000" dirty="0" smtClean="0"/>
-              <a:t>when('/second', { </a:t>
-            </a:r>
-            <a:r>
-              <a:rPr lang="en-US" sz="2000" dirty="0" smtClean="0"/>
-              <a:t/>
+              <a:rPr lang="en-US" sz="1800" dirty="0">
+                <a:latin typeface="Calibri" panose="020F0502020204030204" pitchFamily="34" charset="0"/>
+              </a:rPr>
+              <a:t>.when('</a:t>
+            </a:r>
+            <a:r>
+              <a:rPr lang="en-US" sz="1800" dirty="0">
+                <a:solidFill>
+                  <a:srgbClr val="C00000"/>
+                </a:solidFill>
+                <a:latin typeface="Calibri" panose="020F0502020204030204" pitchFamily="34" charset="0"/>
+              </a:rPr>
+              <a:t>/second</a:t>
+            </a:r>
+            <a:r>
+              <a:rPr lang="en-US" sz="1800" dirty="0">
+                <a:latin typeface="Calibri" panose="020F0502020204030204" pitchFamily="34" charset="0"/>
+              </a:rPr>
+              <a:t>', { </a:t>
             </a:r>
             <a:br>
-              <a:rPr lang="en-US" sz="2000" dirty="0" smtClean="0"/>
+              <a:rPr lang="en-US" sz="1800" dirty="0">
+                <a:latin typeface="Calibri" panose="020F0502020204030204" pitchFamily="34" charset="0"/>
+              </a:rPr>
             </a:br>
             <a:r>
-              <a:rPr lang="en-US" sz="2000" dirty="0" err="1" smtClean="0"/>
+              <a:rPr lang="en-US" sz="1800" dirty="0" err="1">
+                <a:latin typeface="Calibri" panose="020F0502020204030204" pitchFamily="34" charset="0"/>
+              </a:rPr>
               <a:t>templateUrl</a:t>
             </a:r>
             <a:r>
-              <a:rPr lang="en-US" sz="2000" dirty="0" smtClean="0"/>
-              <a:t>: 'second.html' </a:t>
-            </a:r>
-            <a:r>
-              <a:rPr lang="en-US" sz="2000" dirty="0" smtClean="0"/>
-              <a:t/>
+              <a:rPr lang="en-US" sz="1800" dirty="0">
+                <a:latin typeface="Calibri" panose="020F0502020204030204" pitchFamily="34" charset="0"/>
+              </a:rPr>
+              <a:t>: '</a:t>
+            </a:r>
+            <a:r>
+              <a:rPr lang="en-US" sz="1800" dirty="0">
+                <a:solidFill>
+                  <a:srgbClr val="C00000"/>
+                </a:solidFill>
+                <a:latin typeface="Calibri" panose="020F0502020204030204" pitchFamily="34" charset="0"/>
+              </a:rPr>
+              <a:t>second.html</a:t>
+            </a:r>
+            <a:r>
+              <a:rPr lang="en-US" sz="1800" dirty="0">
+                <a:latin typeface="Calibri" panose="020F0502020204030204" pitchFamily="34" charset="0"/>
+              </a:rPr>
+              <a:t>' </a:t>
             </a:r>
             <a:br>
-              <a:rPr lang="en-US" sz="2000" dirty="0" smtClean="0"/>
+              <a:rPr lang="en-US" sz="1800" dirty="0">
+                <a:latin typeface="Calibri" panose="020F0502020204030204" pitchFamily="34" charset="0"/>
+              </a:rPr>
             </a:br>
             <a:r>
-              <a:rPr lang="en-US" sz="2000" dirty="0" smtClean="0"/>
+              <a:rPr lang="en-US" sz="1800" dirty="0">
+                <a:latin typeface="Calibri" panose="020F0502020204030204" pitchFamily="34" charset="0"/>
+              </a:rPr>
               <a:t>}) </a:t>
             </a:r>
             <a:br>
-              <a:rPr lang="en-US" sz="2000" dirty="0" smtClean="0"/>
+              <a:rPr lang="en-US" sz="1800" dirty="0">
+                <a:latin typeface="Calibri" panose="020F0502020204030204" pitchFamily="34" charset="0"/>
+              </a:rPr>
             </a:br>
             <a:r>
-              <a:rPr lang="en-US" sz="2000" dirty="0" smtClean="0"/>
-              <a:t>.</a:t>
-            </a:r>
-            <a:r>
-              <a:rPr lang="en-US" sz="2000" dirty="0" smtClean="0"/>
-              <a:t>otherwise({ </a:t>
-            </a:r>
-            <a:r>
-              <a:rPr lang="en-US" sz="2000" dirty="0" smtClean="0"/>
-              <a:t/>
+              <a:rPr lang="en-US" sz="1800" dirty="0">
+                <a:latin typeface="Calibri" panose="020F0502020204030204" pitchFamily="34" charset="0"/>
+              </a:rPr>
+              <a:t>.otherwise({ </a:t>
             </a:r>
             <a:br>
-              <a:rPr lang="en-US" sz="2000" dirty="0" smtClean="0"/>
+              <a:rPr lang="en-US" sz="1800" dirty="0">
+                <a:latin typeface="Calibri" panose="020F0502020204030204" pitchFamily="34" charset="0"/>
+              </a:rPr>
             </a:br>
             <a:r>
-              <a:rPr lang="en-US" sz="2000" dirty="0" err="1" smtClean="0"/>
+              <a:rPr lang="en-US" sz="1800" dirty="0" err="1">
+                <a:latin typeface="Calibri" panose="020F0502020204030204" pitchFamily="34" charset="0"/>
+              </a:rPr>
               <a:t>redirectTo</a:t>
             </a:r>
             <a:r>
-              <a:rPr lang="en-US" sz="2000" dirty="0" smtClean="0"/>
-              <a:t>: '/' </a:t>
-            </a:r>
-            <a:r>
-              <a:rPr lang="en-US" sz="2000" dirty="0" smtClean="0"/>
-              <a:t/>
+              <a:rPr lang="en-US" sz="1800" dirty="0">
+                <a:latin typeface="Calibri" panose="020F0502020204030204" pitchFamily="34" charset="0"/>
+              </a:rPr>
+              <a:t>: '</a:t>
+            </a:r>
+            <a:r>
+              <a:rPr lang="en-US" sz="1800" dirty="0">
+                <a:solidFill>
+                  <a:srgbClr val="C00000"/>
+                </a:solidFill>
+                <a:latin typeface="Calibri" panose="020F0502020204030204" pitchFamily="34" charset="0"/>
+              </a:rPr>
+              <a:t>/</a:t>
+            </a:r>
+            <a:r>
+              <a:rPr lang="en-US" sz="1800" dirty="0">
+                <a:latin typeface="Calibri" panose="020F0502020204030204" pitchFamily="34" charset="0"/>
+              </a:rPr>
+              <a:t>' </a:t>
             </a:r>
             <a:br>
-              <a:rPr lang="en-US" sz="2000" dirty="0" smtClean="0"/>
+              <a:rPr lang="en-US" sz="1800" dirty="0">
+                <a:latin typeface="Calibri" panose="020F0502020204030204" pitchFamily="34" charset="0"/>
+              </a:rPr>
             </a:br>
             <a:r>
-              <a:rPr lang="en-US" sz="2000" dirty="0" smtClean="0"/>
+              <a:rPr lang="en-US" sz="1800" dirty="0">
+                <a:latin typeface="Calibri" panose="020F0502020204030204" pitchFamily="34" charset="0"/>
+              </a:rPr>
               <a:t>}); </a:t>
             </a:r>
           </a:p>
@@ -3224,10 +3465,14 @@
               <a:buNone/>
             </a:pPr>
             <a:r>
-              <a:rPr lang="en-US" sz="2000" dirty="0" smtClean="0"/>
+              <a:rPr lang="en-US" sz="1800" dirty="0">
+                <a:latin typeface="Calibri" panose="020F0502020204030204" pitchFamily="34" charset="0"/>
+              </a:rPr>
               <a:t>}]);</a:t>
             </a:r>
-            <a:endParaRPr lang="uk-UA" sz="2000" dirty="0"/>
+            <a:endParaRPr lang="uk-UA" sz="1800" dirty="0">
+              <a:latin typeface="Calibri" panose="020F0502020204030204" pitchFamily="34" charset="0"/>
+            </a:endParaRPr>
           </a:p>
         </p:txBody>
       </p:sp>
@@ -3254,13 +3499,13 @@
           <a:lstStyle/>
           <a:p>
             <a:r>
-              <a:rPr lang="ru-RU" sz="2400" dirty="0" smtClean="0">
+              <a:rPr lang="ru-RU" sz="2400" dirty="0">
                 <a:latin typeface="Calibri" pitchFamily="34" charset="0"/>
               </a:rPr>
               <a:t>Пример использования</a:t>
             </a:r>
             <a:r>
-              <a:rPr lang="en-US" sz="2400" dirty="0" smtClean="0">
+              <a:rPr lang="en-US" sz="2400" dirty="0">
                 <a:latin typeface="Calibri" pitchFamily="34" charset="0"/>
               </a:rPr>
               <a:t>: </a:t>
